--- a/presentation.pptx
+++ b/presentation.pptx
@@ -5,30 +5,32 @@
     <p:sldMasterId id="2147483768" r:id="rId4"/>
   </p:sldMasterIdLst>
   <p:notesMasterIdLst>
-    <p:notesMasterId r:id="rId26"/>
+    <p:notesMasterId r:id="rId28"/>
   </p:notesMasterIdLst>
   <p:sldIdLst>
     <p:sldId id="3825" r:id="rId5"/>
     <p:sldId id="3827" r:id="rId6"/>
-    <p:sldId id="3828" r:id="rId7"/>
-    <p:sldId id="3835" r:id="rId8"/>
-    <p:sldId id="3837" r:id="rId9"/>
-    <p:sldId id="3838" r:id="rId10"/>
-    <p:sldId id="3839" r:id="rId11"/>
-    <p:sldId id="3840" r:id="rId12"/>
-    <p:sldId id="3841" r:id="rId13"/>
-    <p:sldId id="3845" r:id="rId14"/>
-    <p:sldId id="3846" r:id="rId15"/>
-    <p:sldId id="3847" r:id="rId16"/>
-    <p:sldId id="3848" r:id="rId17"/>
-    <p:sldId id="3850" r:id="rId18"/>
-    <p:sldId id="3851" r:id="rId19"/>
-    <p:sldId id="3849" r:id="rId20"/>
-    <p:sldId id="3852" r:id="rId21"/>
-    <p:sldId id="3842" r:id="rId22"/>
-    <p:sldId id="3843" r:id="rId23"/>
-    <p:sldId id="3844" r:id="rId24"/>
-    <p:sldId id="3834" r:id="rId25"/>
+    <p:sldId id="3853" r:id="rId7"/>
+    <p:sldId id="3828" r:id="rId8"/>
+    <p:sldId id="3835" r:id="rId9"/>
+    <p:sldId id="3837" r:id="rId10"/>
+    <p:sldId id="3838" r:id="rId11"/>
+    <p:sldId id="3839" r:id="rId12"/>
+    <p:sldId id="3854" r:id="rId13"/>
+    <p:sldId id="3840" r:id="rId14"/>
+    <p:sldId id="3841" r:id="rId15"/>
+    <p:sldId id="3845" r:id="rId16"/>
+    <p:sldId id="3846" r:id="rId17"/>
+    <p:sldId id="3847" r:id="rId18"/>
+    <p:sldId id="3848" r:id="rId19"/>
+    <p:sldId id="3850" r:id="rId20"/>
+    <p:sldId id="3851" r:id="rId21"/>
+    <p:sldId id="3849" r:id="rId22"/>
+    <p:sldId id="3852" r:id="rId23"/>
+    <p:sldId id="3842" r:id="rId24"/>
+    <p:sldId id="3843" r:id="rId25"/>
+    <p:sldId id="3844" r:id="rId26"/>
+    <p:sldId id="3834" r:id="rId27"/>
   </p:sldIdLst>
   <p:sldSz cx="12192000" cy="6858000"/>
   <p:notesSz cx="6858000" cy="9144000"/>
@@ -244,7 +246,7 @@
           <a:p>
             <a:fld id="{6C7BA811-8917-4F1D-B22F-E96045BFA4E0}" type="datetimeFigureOut">
               <a:rPr lang="en-US" smtClean="0"/>
-              <a:t>9/7/2021</a:t>
+              <a:t>9/19/2021</a:t>
             </a:fld>
             <a:endParaRPr lang="en-US" dirty="0"/>
           </a:p>
@@ -11724,6 +11726,1010 @@
       </p:grpSpPr>
       <p:sp>
         <p:nvSpPr>
+          <p:cNvPr id="2" name="Title 1">
+            <a:extLst>
+              <a:ext uri="{FF2B5EF4-FFF2-40B4-BE49-F238E27FC236}">
+                <a16:creationId xmlns:a16="http://schemas.microsoft.com/office/drawing/2014/main" id="{956FCFFB-1851-4F2D-98A4-BE65090F2668}"/>
+              </a:ext>
+            </a:extLst>
+          </p:cNvPr>
+          <p:cNvSpPr>
+            <a:spLocks noGrp="1"/>
+          </p:cNvSpPr>
+          <p:nvPr>
+            <p:ph type="title"/>
+          </p:nvPr>
+        </p:nvSpPr>
+        <p:spPr/>
+        <p:txBody>
+          <a:bodyPr/>
+          <a:lstStyle/>
+          <a:p>
+            <a:r>
+              <a:rPr lang="nl-BE" dirty="0"/>
+              <a:t>Enter… </a:t>
+            </a:r>
+            <a:r>
+              <a:rPr lang="nl-BE" dirty="0" err="1"/>
+              <a:t>React</a:t>
+            </a:r>
+            <a:r>
+              <a:rPr lang="nl-BE" dirty="0"/>
+              <a:t> </a:t>
+            </a:r>
+            <a:r>
+              <a:rPr lang="nl-BE" dirty="0" err="1"/>
+              <a:t>Hooks</a:t>
+            </a:r>
+            <a:endParaRPr lang="en-GB" dirty="0"/>
+          </a:p>
+        </p:txBody>
+      </p:sp>
+      <p:sp>
+        <p:nvSpPr>
+          <p:cNvPr id="4" name="Footer Placeholder 3">
+            <a:extLst>
+              <a:ext uri="{FF2B5EF4-FFF2-40B4-BE49-F238E27FC236}">
+                <a16:creationId xmlns:a16="http://schemas.microsoft.com/office/drawing/2014/main" id="{862C4581-60C8-46E2-844D-124AE4D52FEA}"/>
+              </a:ext>
+            </a:extLst>
+          </p:cNvPr>
+          <p:cNvSpPr>
+            <a:spLocks noGrp="1"/>
+          </p:cNvSpPr>
+          <p:nvPr>
+            <p:ph type="ftr" sz="quarter" idx="11"/>
+          </p:nvPr>
+        </p:nvSpPr>
+        <p:spPr/>
+        <p:txBody>
+          <a:bodyPr/>
+          <a:lstStyle/>
+          <a:p>
+            <a:pPr>
+              <a:defRPr/>
+            </a:pPr>
+            <a:r>
+              <a:rPr lang="en-US" dirty="0">
+                <a:solidFill>
+                  <a:prstClr val="black">
+                    <a:tint val="75000"/>
+                  </a:prstClr>
+                </a:solidFill>
+              </a:rPr>
+              <a:t>Vue Composition API</a:t>
+            </a:r>
+          </a:p>
+        </p:txBody>
+      </p:sp>
+      <p:sp>
+        <p:nvSpPr>
+          <p:cNvPr id="5" name="Slide Number Placeholder 4">
+            <a:extLst>
+              <a:ext uri="{FF2B5EF4-FFF2-40B4-BE49-F238E27FC236}">
+                <a16:creationId xmlns:a16="http://schemas.microsoft.com/office/drawing/2014/main" id="{695B7F63-F3CE-4412-A761-5EDC549A3045}"/>
+              </a:ext>
+            </a:extLst>
+          </p:cNvPr>
+          <p:cNvSpPr>
+            <a:spLocks noGrp="1"/>
+          </p:cNvSpPr>
+          <p:nvPr>
+            <p:ph type="sldNum" sz="quarter" idx="12"/>
+          </p:nvPr>
+        </p:nvSpPr>
+        <p:spPr/>
+        <p:txBody>
+          <a:bodyPr/>
+          <a:lstStyle/>
+          <a:p>
+            <a:pPr>
+              <a:defRPr/>
+            </a:pPr>
+            <a:fld id="{D76B855D-E9CC-4FF8-AD85-6CDC7B89A0DE}" type="slidenum">
+              <a:rPr lang="en-US" smtClean="0">
+                <a:solidFill>
+                  <a:prstClr val="black">
+                    <a:tint val="75000"/>
+                  </a:prstClr>
+                </a:solidFill>
+              </a:rPr>
+              <a:pPr>
+                <a:defRPr/>
+              </a:pPr>
+              <a:t>10</a:t>
+            </a:fld>
+            <a:endParaRPr lang="en-US" dirty="0">
+              <a:solidFill>
+                <a:prstClr val="black">
+                  <a:tint val="75000"/>
+                </a:prstClr>
+              </a:solidFill>
+            </a:endParaRPr>
+          </a:p>
+        </p:txBody>
+      </p:sp>
+      <p:pic>
+        <p:nvPicPr>
+          <p:cNvPr id="1028" name="Picture 4" descr="React Hooks Tutorial: How to Use Hooks in React.js App">
+            <a:extLst>
+              <a:ext uri="{FF2B5EF4-FFF2-40B4-BE49-F238E27FC236}">
+                <a16:creationId xmlns:a16="http://schemas.microsoft.com/office/drawing/2014/main" id="{8752DC79-EDFF-40F9-BED4-671D18C2DD06}"/>
+              </a:ext>
+            </a:extLst>
+          </p:cNvPr>
+          <p:cNvPicPr>
+            <a:picLocks noChangeAspect="1" noChangeArrowheads="1"/>
+          </p:cNvPicPr>
+          <p:nvPr/>
+        </p:nvPicPr>
+        <p:blipFill>
+          <a:blip r:embed="rId2">
+            <a:extLst>
+              <a:ext uri="{28A0092B-C50C-407E-A947-70E740481C1C}">
+                <a14:useLocalDpi xmlns:a14="http://schemas.microsoft.com/office/drawing/2010/main" val="0"/>
+              </a:ext>
+            </a:extLst>
+          </a:blip>
+          <a:srcRect/>
+          <a:stretch>
+            <a:fillRect/>
+          </a:stretch>
+        </p:blipFill>
+        <p:spPr bwMode="auto">
+          <a:xfrm rot="21396605">
+            <a:off x="5100688" y="1529831"/>
+            <a:ext cx="6666338" cy="3697734"/>
+          </a:xfrm>
+          <a:prstGeom prst="rect">
+            <a:avLst/>
+          </a:prstGeom>
+          <a:solidFill>
+            <a:srgbClr val="FFFFFF">
+              <a:shade val="85000"/>
+            </a:srgbClr>
+          </a:solidFill>
+          <a:ln w="190500" cap="sq">
+            <a:solidFill>
+              <a:srgbClr val="FFFFFF"/>
+            </a:solidFill>
+            <a:miter lim="800000"/>
+          </a:ln>
+          <a:effectLst>
+            <a:outerShdw blurRad="55000" dist="18000" dir="5400000" algn="tl" rotWithShape="0">
+              <a:srgbClr val="000000">
+                <a:alpha val="40000"/>
+              </a:srgbClr>
+            </a:outerShdw>
+          </a:effectLst>
+          <a:scene3d>
+            <a:camera prst="orthographicFront"/>
+            <a:lightRig rig="twoPt" dir="t">
+              <a:rot lat="0" lon="0" rev="7200000"/>
+            </a:lightRig>
+          </a:scene3d>
+          <a:sp3d>
+            <a:bevelT w="25400" h="19050"/>
+            <a:contourClr>
+              <a:srgbClr val="FFFFFF"/>
+            </a:contourClr>
+          </a:sp3d>
+        </p:spPr>
+      </p:pic>
+      <p:pic>
+        <p:nvPicPr>
+          <p:cNvPr id="15" name="Picture 14" descr="A person wearing glasses&#10;&#10;Description automatically generated with low confidence">
+            <a:extLst>
+              <a:ext uri="{FF2B5EF4-FFF2-40B4-BE49-F238E27FC236}">
+                <a16:creationId xmlns:a16="http://schemas.microsoft.com/office/drawing/2014/main" id="{80CA7DF9-B2ED-44E0-B099-B61B2C7369C7}"/>
+              </a:ext>
+            </a:extLst>
+          </p:cNvPr>
+          <p:cNvPicPr>
+            <a:picLocks noChangeAspect="1"/>
+          </p:cNvPicPr>
+          <p:nvPr/>
+        </p:nvPicPr>
+        <p:blipFill>
+          <a:blip r:embed="rId3"/>
+          <a:stretch>
+            <a:fillRect/>
+          </a:stretch>
+        </p:blipFill>
+        <p:spPr>
+          <a:xfrm>
+            <a:off x="234817" y="2002054"/>
+            <a:ext cx="6088959" cy="4855945"/>
+          </a:xfrm>
+          <a:prstGeom prst="rect">
+            <a:avLst/>
+          </a:prstGeom>
+        </p:spPr>
+      </p:pic>
+      <p:pic>
+        <p:nvPicPr>
+          <p:cNvPr id="17" name="Picture 16" descr="Shape&#10;&#10;Description automatically generated with low confidence">
+            <a:extLst>
+              <a:ext uri="{FF2B5EF4-FFF2-40B4-BE49-F238E27FC236}">
+                <a16:creationId xmlns:a16="http://schemas.microsoft.com/office/drawing/2014/main" id="{C11B473B-2F05-4272-A426-0E0B54F2A6F7}"/>
+              </a:ext>
+            </a:extLst>
+          </p:cNvPr>
+          <p:cNvPicPr>
+            <a:picLocks noChangeAspect="1"/>
+          </p:cNvPicPr>
+          <p:nvPr/>
+        </p:nvPicPr>
+        <p:blipFill>
+          <a:blip r:embed="rId4"/>
+          <a:stretch>
+            <a:fillRect/>
+          </a:stretch>
+        </p:blipFill>
+        <p:spPr>
+          <a:xfrm>
+            <a:off x="727909" y="1335973"/>
+            <a:ext cx="1801350" cy="1436577"/>
+          </a:xfrm>
+          <a:prstGeom prst="rect">
+            <a:avLst/>
+          </a:prstGeom>
+        </p:spPr>
+      </p:pic>
+    </p:spTree>
+    <p:extLst>
+      <p:ext uri="{BB962C8B-B14F-4D97-AF65-F5344CB8AC3E}">
+        <p14:creationId xmlns:p14="http://schemas.microsoft.com/office/powerpoint/2010/main" val="2534301709"/>
+      </p:ext>
+    </p:extLst>
+  </p:cSld>
+  <p:clrMapOvr>
+    <a:masterClrMapping/>
+  </p:clrMapOvr>
+  <p:timing>
+    <p:tnLst>
+      <p:par>
+        <p:cTn id="1" dur="indefinite" restart="never" nodeType="tmRoot">
+          <p:childTnLst>
+            <p:seq concurrent="1" nextAc="seek">
+              <p:cTn id="2" dur="indefinite" nodeType="mainSeq">
+                <p:childTnLst>
+                  <p:par>
+                    <p:cTn id="3" fill="hold">
+                      <p:stCondLst>
+                        <p:cond delay="indefinite"/>
+                      </p:stCondLst>
+                      <p:childTnLst>
+                        <p:par>
+                          <p:cTn id="4" fill="hold">
+                            <p:stCondLst>
+                              <p:cond delay="0"/>
+                            </p:stCondLst>
+                            <p:childTnLst>
+                              <p:par>
+                                <p:cTn id="5" presetID="37" presetClass="entr" presetSubtype="0" fill="hold" nodeType="clickEffect">
+                                  <p:stCondLst>
+                                    <p:cond delay="0"/>
+                                  </p:stCondLst>
+                                  <p:childTnLst>
+                                    <p:set>
+                                      <p:cBhvr>
+                                        <p:cTn id="6" dur="1" fill="hold">
+                                          <p:stCondLst>
+                                            <p:cond delay="0"/>
+                                          </p:stCondLst>
+                                        </p:cTn>
+                                        <p:tgtEl>
+                                          <p:spTgt spid="15"/>
+                                        </p:tgtEl>
+                                        <p:attrNameLst>
+                                          <p:attrName>style.visibility</p:attrName>
+                                        </p:attrNameLst>
+                                      </p:cBhvr>
+                                      <p:to>
+                                        <p:strVal val="visible"/>
+                                      </p:to>
+                                    </p:set>
+                                    <p:animEffect transition="in" filter="fade">
+                                      <p:cBhvr>
+                                        <p:cTn id="7" dur="1000"/>
+                                        <p:tgtEl>
+                                          <p:spTgt spid="15"/>
+                                        </p:tgtEl>
+                                      </p:cBhvr>
+                                    </p:animEffect>
+                                    <p:anim calcmode="lin" valueType="num">
+                                      <p:cBhvr>
+                                        <p:cTn id="8" dur="1000" fill="hold"/>
+                                        <p:tgtEl>
+                                          <p:spTgt spid="15"/>
+                                        </p:tgtEl>
+                                        <p:attrNameLst>
+                                          <p:attrName>ppt_x</p:attrName>
+                                        </p:attrNameLst>
+                                      </p:cBhvr>
+                                      <p:tavLst>
+                                        <p:tav tm="0">
+                                          <p:val>
+                                            <p:strVal val="#ppt_x"/>
+                                          </p:val>
+                                        </p:tav>
+                                        <p:tav tm="100000">
+                                          <p:val>
+                                            <p:strVal val="#ppt_x"/>
+                                          </p:val>
+                                        </p:tav>
+                                      </p:tavLst>
+                                    </p:anim>
+                                    <p:anim calcmode="lin" valueType="num">
+                                      <p:cBhvr>
+                                        <p:cTn id="9" dur="900" decel="100000" fill="hold"/>
+                                        <p:tgtEl>
+                                          <p:spTgt spid="15"/>
+                                        </p:tgtEl>
+                                        <p:attrNameLst>
+                                          <p:attrName>ppt_y</p:attrName>
+                                        </p:attrNameLst>
+                                      </p:cBhvr>
+                                      <p:tavLst>
+                                        <p:tav tm="0">
+                                          <p:val>
+                                            <p:strVal val="#ppt_y+1"/>
+                                          </p:val>
+                                        </p:tav>
+                                        <p:tav tm="100000">
+                                          <p:val>
+                                            <p:strVal val="#ppt_y-.03"/>
+                                          </p:val>
+                                        </p:tav>
+                                      </p:tavLst>
+                                    </p:anim>
+                                    <p:anim calcmode="lin" valueType="num">
+                                      <p:cBhvr>
+                                        <p:cTn id="10" dur="100" accel="100000" fill="hold">
+                                          <p:stCondLst>
+                                            <p:cond delay="900"/>
+                                          </p:stCondLst>
+                                        </p:cTn>
+                                        <p:tgtEl>
+                                          <p:spTgt spid="15"/>
+                                        </p:tgtEl>
+                                        <p:attrNameLst>
+                                          <p:attrName>ppt_y</p:attrName>
+                                        </p:attrNameLst>
+                                      </p:cBhvr>
+                                      <p:tavLst>
+                                        <p:tav tm="0">
+                                          <p:val>
+                                            <p:strVal val="#ppt_y-.03"/>
+                                          </p:val>
+                                        </p:tav>
+                                        <p:tav tm="100000">
+                                          <p:val>
+                                            <p:strVal val="#ppt_y"/>
+                                          </p:val>
+                                        </p:tav>
+                                      </p:tavLst>
+                                    </p:anim>
+                                  </p:childTnLst>
+                                </p:cTn>
+                              </p:par>
+                            </p:childTnLst>
+                          </p:cTn>
+                        </p:par>
+                      </p:childTnLst>
+                    </p:cTn>
+                  </p:par>
+                  <p:par>
+                    <p:cTn id="11" fill="hold">
+                      <p:stCondLst>
+                        <p:cond delay="indefinite"/>
+                      </p:stCondLst>
+                      <p:childTnLst>
+                        <p:par>
+                          <p:cTn id="12" fill="hold">
+                            <p:stCondLst>
+                              <p:cond delay="0"/>
+                            </p:stCondLst>
+                            <p:childTnLst>
+                              <p:par>
+                                <p:cTn id="13" presetID="31" presetClass="entr" presetSubtype="0" fill="hold" nodeType="clickEffect">
+                                  <p:stCondLst>
+                                    <p:cond delay="0"/>
+                                  </p:stCondLst>
+                                  <p:childTnLst>
+                                    <p:set>
+                                      <p:cBhvr>
+                                        <p:cTn id="14" dur="1" fill="hold">
+                                          <p:stCondLst>
+                                            <p:cond delay="0"/>
+                                          </p:stCondLst>
+                                        </p:cTn>
+                                        <p:tgtEl>
+                                          <p:spTgt spid="17"/>
+                                        </p:tgtEl>
+                                        <p:attrNameLst>
+                                          <p:attrName>style.visibility</p:attrName>
+                                        </p:attrNameLst>
+                                      </p:cBhvr>
+                                      <p:to>
+                                        <p:strVal val="visible"/>
+                                      </p:to>
+                                    </p:set>
+                                    <p:anim calcmode="lin" valueType="num">
+                                      <p:cBhvr>
+                                        <p:cTn id="15" dur="1000" fill="hold"/>
+                                        <p:tgtEl>
+                                          <p:spTgt spid="17"/>
+                                        </p:tgtEl>
+                                        <p:attrNameLst>
+                                          <p:attrName>ppt_w</p:attrName>
+                                        </p:attrNameLst>
+                                      </p:cBhvr>
+                                      <p:tavLst>
+                                        <p:tav tm="0">
+                                          <p:val>
+                                            <p:fltVal val="0"/>
+                                          </p:val>
+                                        </p:tav>
+                                        <p:tav tm="100000">
+                                          <p:val>
+                                            <p:strVal val="#ppt_w"/>
+                                          </p:val>
+                                        </p:tav>
+                                      </p:tavLst>
+                                    </p:anim>
+                                    <p:anim calcmode="lin" valueType="num">
+                                      <p:cBhvr>
+                                        <p:cTn id="16" dur="1000" fill="hold"/>
+                                        <p:tgtEl>
+                                          <p:spTgt spid="17"/>
+                                        </p:tgtEl>
+                                        <p:attrNameLst>
+                                          <p:attrName>ppt_h</p:attrName>
+                                        </p:attrNameLst>
+                                      </p:cBhvr>
+                                      <p:tavLst>
+                                        <p:tav tm="0">
+                                          <p:val>
+                                            <p:fltVal val="0"/>
+                                          </p:val>
+                                        </p:tav>
+                                        <p:tav tm="100000">
+                                          <p:val>
+                                            <p:strVal val="#ppt_h"/>
+                                          </p:val>
+                                        </p:tav>
+                                      </p:tavLst>
+                                    </p:anim>
+                                    <p:anim calcmode="lin" valueType="num">
+                                      <p:cBhvr>
+                                        <p:cTn id="17" dur="1000" fill="hold"/>
+                                        <p:tgtEl>
+                                          <p:spTgt spid="17"/>
+                                        </p:tgtEl>
+                                        <p:attrNameLst>
+                                          <p:attrName>style.rotation</p:attrName>
+                                        </p:attrNameLst>
+                                      </p:cBhvr>
+                                      <p:tavLst>
+                                        <p:tav tm="0">
+                                          <p:val>
+                                            <p:fltVal val="90"/>
+                                          </p:val>
+                                        </p:tav>
+                                        <p:tav tm="100000">
+                                          <p:val>
+                                            <p:fltVal val="0"/>
+                                          </p:val>
+                                        </p:tav>
+                                      </p:tavLst>
+                                    </p:anim>
+                                    <p:animEffect transition="in" filter="fade">
+                                      <p:cBhvr>
+                                        <p:cTn id="18" dur="1000"/>
+                                        <p:tgtEl>
+                                          <p:spTgt spid="17"/>
+                                        </p:tgtEl>
+                                      </p:cBhvr>
+                                    </p:animEffect>
+                                  </p:childTnLst>
+                                </p:cTn>
+                              </p:par>
+                            </p:childTnLst>
+                          </p:cTn>
+                        </p:par>
+                      </p:childTnLst>
+                    </p:cTn>
+                  </p:par>
+                </p:childTnLst>
+              </p:cTn>
+              <p:prevCondLst>
+                <p:cond evt="onPrev" delay="0">
+                  <p:tgtEl>
+                    <p:sldTgt/>
+                  </p:tgtEl>
+                </p:cond>
+              </p:prevCondLst>
+              <p:nextCondLst>
+                <p:cond evt="onNext" delay="0">
+                  <p:tgtEl>
+                    <p:sldTgt/>
+                  </p:tgtEl>
+                </p:cond>
+              </p:nextCondLst>
+            </p:seq>
+          </p:childTnLst>
+        </p:cTn>
+      </p:par>
+    </p:tnLst>
+  </p:timing>
+</p:sld>
+</file>
+
+<file path=ppt/slides/slide11.xml><?xml version="1.0" encoding="utf-8"?>
+<p:sld xmlns:a="http://schemas.openxmlformats.org/drawingml/2006/main" xmlns:r="http://schemas.openxmlformats.org/officeDocument/2006/relationships" xmlns:p="http://schemas.openxmlformats.org/presentationml/2006/main">
+  <p:cSld>
+    <p:spTree>
+      <p:nvGrpSpPr>
+        <p:cNvPr id="1" name=""/>
+        <p:cNvGrpSpPr/>
+        <p:nvPr/>
+      </p:nvGrpSpPr>
+      <p:grpSpPr>
+        <a:xfrm>
+          <a:off x="0" y="0"/>
+          <a:ext cx="0" cy="0"/>
+          <a:chOff x="0" y="0"/>
+          <a:chExt cx="0" cy="0"/>
+        </a:xfrm>
+      </p:grpSpPr>
+      <p:sp>
+        <p:nvSpPr>
+          <p:cNvPr id="2" name="Title 1">
+            <a:extLst>
+              <a:ext uri="{FF2B5EF4-FFF2-40B4-BE49-F238E27FC236}">
+                <a16:creationId xmlns:a16="http://schemas.microsoft.com/office/drawing/2014/main" id="{1D46624E-1256-4074-A302-8EFDA23D77BF}"/>
+              </a:ext>
+            </a:extLst>
+          </p:cNvPr>
+          <p:cNvSpPr>
+            <a:spLocks noGrp="1"/>
+          </p:cNvSpPr>
+          <p:nvPr>
+            <p:ph type="title"/>
+          </p:nvPr>
+        </p:nvSpPr>
+        <p:spPr/>
+        <p:txBody>
+          <a:bodyPr/>
+          <a:lstStyle/>
+          <a:p>
+            <a:r>
+              <a:rPr lang="en-US" dirty="0"/>
+              <a:t>Composition API</a:t>
+            </a:r>
+          </a:p>
+        </p:txBody>
+      </p:sp>
+      <p:sp>
+        <p:nvSpPr>
+          <p:cNvPr id="3" name="Text Placeholder 2">
+            <a:extLst>
+              <a:ext uri="{FF2B5EF4-FFF2-40B4-BE49-F238E27FC236}">
+                <a16:creationId xmlns:a16="http://schemas.microsoft.com/office/drawing/2014/main" id="{33E8A40A-0195-4B3A-81F2-8B76B68F974F}"/>
+              </a:ext>
+            </a:extLst>
+          </p:cNvPr>
+          <p:cNvSpPr>
+            <a:spLocks noGrp="1"/>
+          </p:cNvSpPr>
+          <p:nvPr>
+            <p:ph type="body" idx="1"/>
+          </p:nvPr>
+        </p:nvSpPr>
+        <p:spPr/>
+        <p:txBody>
+          <a:bodyPr/>
+          <a:lstStyle/>
+          <a:p>
+            <a:r>
+              <a:rPr lang="en-US" dirty="0"/>
+              <a:t>Wat lost het op?</a:t>
+            </a:r>
+          </a:p>
+        </p:txBody>
+      </p:sp>
+      <p:sp>
+        <p:nvSpPr>
+          <p:cNvPr id="4" name="Content Placeholder 3">
+            <a:extLst>
+              <a:ext uri="{FF2B5EF4-FFF2-40B4-BE49-F238E27FC236}">
+                <a16:creationId xmlns:a16="http://schemas.microsoft.com/office/drawing/2014/main" id="{A84DACD0-2773-4975-A2FE-3BD5764E1F61}"/>
+              </a:ext>
+            </a:extLst>
+          </p:cNvPr>
+          <p:cNvSpPr>
+            <a:spLocks noGrp="1"/>
+          </p:cNvSpPr>
+          <p:nvPr>
+            <p:ph sz="half" idx="2"/>
+          </p:nvPr>
+        </p:nvSpPr>
+        <p:spPr/>
+        <p:txBody>
+          <a:bodyPr/>
+          <a:lstStyle/>
+          <a:p>
+            <a:r>
+              <a:rPr lang="en-US" dirty="0"/>
+              <a:t>Reusability</a:t>
+            </a:r>
+          </a:p>
+          <a:p>
+            <a:r>
+              <a:rPr lang="en-US" dirty="0"/>
+              <a:t>Separation of concerns</a:t>
+            </a:r>
+          </a:p>
+          <a:p>
+            <a:endParaRPr lang="en-US" dirty="0"/>
+          </a:p>
+        </p:txBody>
+      </p:sp>
+      <p:sp>
+        <p:nvSpPr>
+          <p:cNvPr id="19" name="Footer Placeholder 18">
+            <a:extLst>
+              <a:ext uri="{FF2B5EF4-FFF2-40B4-BE49-F238E27FC236}">
+                <a16:creationId xmlns:a16="http://schemas.microsoft.com/office/drawing/2014/main" id="{A86EFF1E-AB9A-40FE-A0CF-794B56E5276A}"/>
+              </a:ext>
+            </a:extLst>
+          </p:cNvPr>
+          <p:cNvSpPr>
+            <a:spLocks noGrp="1"/>
+          </p:cNvSpPr>
+          <p:nvPr>
+            <p:ph type="ftr" sz="quarter" idx="11"/>
+          </p:nvPr>
+        </p:nvSpPr>
+        <p:spPr/>
+        <p:txBody>
+          <a:bodyPr/>
+          <a:lstStyle/>
+          <a:p>
+            <a:pPr lvl="0"/>
+            <a:r>
+              <a:rPr lang="en-US" noProof="0" dirty="0"/>
+              <a:t>Vue Composition API</a:t>
+            </a:r>
+          </a:p>
+        </p:txBody>
+      </p:sp>
+      <p:sp>
+        <p:nvSpPr>
+          <p:cNvPr id="20" name="Slide Number Placeholder 19">
+            <a:extLst>
+              <a:ext uri="{FF2B5EF4-FFF2-40B4-BE49-F238E27FC236}">
+                <a16:creationId xmlns:a16="http://schemas.microsoft.com/office/drawing/2014/main" id="{013C53F7-A9FD-4503-9396-7A3FE9D0C699}"/>
+              </a:ext>
+            </a:extLst>
+          </p:cNvPr>
+          <p:cNvSpPr>
+            <a:spLocks noGrp="1"/>
+          </p:cNvSpPr>
+          <p:nvPr>
+            <p:ph type="sldNum" sz="quarter" idx="12"/>
+          </p:nvPr>
+        </p:nvSpPr>
+        <p:spPr/>
+        <p:txBody>
+          <a:bodyPr/>
+          <a:lstStyle/>
+          <a:p>
+            <a:pPr lvl="0"/>
+            <a:fld id="{D76B855D-E9CC-4FF8-AD85-6CDC7B89A0DE}" type="slidenum">
+              <a:rPr lang="en-US" noProof="0" smtClean="0"/>
+              <a:pPr lvl="0"/>
+              <a:t>11</a:t>
+            </a:fld>
+            <a:endParaRPr lang="en-US" noProof="0" dirty="0"/>
+          </a:p>
+        </p:txBody>
+      </p:sp>
+      <p:sp>
+        <p:nvSpPr>
+          <p:cNvPr id="8" name="Text Placeholder 7">
+            <a:extLst>
+              <a:ext uri="{FF2B5EF4-FFF2-40B4-BE49-F238E27FC236}">
+                <a16:creationId xmlns:a16="http://schemas.microsoft.com/office/drawing/2014/main" id="{AB145C87-5DB5-42BF-9B41-4F6B475C0C4C}"/>
+              </a:ext>
+            </a:extLst>
+          </p:cNvPr>
+          <p:cNvSpPr>
+            <a:spLocks noGrp="1"/>
+          </p:cNvSpPr>
+          <p:nvPr>
+            <p:ph type="body" sz="quarter" idx="3"/>
+          </p:nvPr>
+        </p:nvSpPr>
+        <p:spPr/>
+        <p:txBody>
+          <a:bodyPr/>
+          <a:lstStyle/>
+          <a:p>
+            <a:endParaRPr lang="en-GB"/>
+          </a:p>
+        </p:txBody>
+      </p:sp>
+      <p:pic>
+        <p:nvPicPr>
+          <p:cNvPr id="6" name="Picture 5" descr="A person wearing glasses&#10;&#10;Description automatically generated with low confidence">
+            <a:extLst>
+              <a:ext uri="{FF2B5EF4-FFF2-40B4-BE49-F238E27FC236}">
+                <a16:creationId xmlns:a16="http://schemas.microsoft.com/office/drawing/2014/main" id="{2BDB29D8-23CB-42C2-97CE-39855A91CD7C}"/>
+              </a:ext>
+            </a:extLst>
+          </p:cNvPr>
+          <p:cNvPicPr>
+            <a:picLocks noChangeAspect="1"/>
+          </p:cNvPicPr>
+          <p:nvPr/>
+        </p:nvPicPr>
+        <p:blipFill>
+          <a:blip r:embed="rId2"/>
+          <a:stretch>
+            <a:fillRect/>
+          </a:stretch>
+        </p:blipFill>
+        <p:spPr>
+          <a:xfrm>
+            <a:off x="7372952" y="1264714"/>
+            <a:ext cx="3594431" cy="5593285"/>
+          </a:xfrm>
+          <a:prstGeom prst="rect">
+            <a:avLst/>
+          </a:prstGeom>
+        </p:spPr>
+      </p:pic>
+      <p:sp>
+        <p:nvSpPr>
+          <p:cNvPr id="9" name="Content Placeholder 8">
+            <a:extLst>
+              <a:ext uri="{FF2B5EF4-FFF2-40B4-BE49-F238E27FC236}">
+                <a16:creationId xmlns:a16="http://schemas.microsoft.com/office/drawing/2014/main" id="{F52435BD-D5A2-4C4A-9658-3DF4D4F4A704}"/>
+              </a:ext>
+            </a:extLst>
+          </p:cNvPr>
+          <p:cNvSpPr>
+            <a:spLocks noGrp="1"/>
+          </p:cNvSpPr>
+          <p:nvPr>
+            <p:ph sz="quarter" idx="4"/>
+          </p:nvPr>
+        </p:nvSpPr>
+        <p:spPr/>
+        <p:txBody>
+          <a:bodyPr/>
+          <a:lstStyle/>
+          <a:p>
+            <a:endParaRPr lang="en-GB"/>
+          </a:p>
+        </p:txBody>
+      </p:sp>
+    </p:spTree>
+    <p:extLst>
+      <p:ext uri="{BB962C8B-B14F-4D97-AF65-F5344CB8AC3E}">
+        <p14:creationId xmlns:p14="http://schemas.microsoft.com/office/powerpoint/2010/main" val="1996537730"/>
+      </p:ext>
+    </p:extLst>
+  </p:cSld>
+  <p:clrMapOvr>
+    <a:masterClrMapping/>
+  </p:clrMapOvr>
+  <p:timing>
+    <p:tnLst>
+      <p:par>
+        <p:cTn id="1" dur="indefinite" restart="never" nodeType="tmRoot">
+          <p:childTnLst>
+            <p:seq concurrent="1" nextAc="seek">
+              <p:cTn id="2" dur="indefinite" nodeType="mainSeq">
+                <p:childTnLst>
+                  <p:par>
+                    <p:cTn id="3" fill="hold">
+                      <p:stCondLst>
+                        <p:cond delay="indefinite"/>
+                      </p:stCondLst>
+                      <p:childTnLst>
+                        <p:par>
+                          <p:cTn id="4" fill="hold">
+                            <p:stCondLst>
+                              <p:cond delay="0"/>
+                            </p:stCondLst>
+                            <p:childTnLst>
+                              <p:par>
+                                <p:cTn id="5" presetID="10" presetClass="entr" presetSubtype="0" fill="hold" grpId="0" nodeType="clickEffect">
+                                  <p:stCondLst>
+                                    <p:cond delay="0"/>
+                                  </p:stCondLst>
+                                  <p:childTnLst>
+                                    <p:set>
+                                      <p:cBhvr>
+                                        <p:cTn id="6" dur="1" fill="hold">
+                                          <p:stCondLst>
+                                            <p:cond delay="0"/>
+                                          </p:stCondLst>
+                                        </p:cTn>
+                                        <p:tgtEl>
+                                          <p:spTgt spid="3">
+                                            <p:txEl>
+                                              <p:pRg st="0" end="0"/>
+                                            </p:txEl>
+                                          </p:spTgt>
+                                        </p:tgtEl>
+                                        <p:attrNameLst>
+                                          <p:attrName>style.visibility</p:attrName>
+                                        </p:attrNameLst>
+                                      </p:cBhvr>
+                                      <p:to>
+                                        <p:strVal val="visible"/>
+                                      </p:to>
+                                    </p:set>
+                                    <p:animEffect transition="in" filter="fade">
+                                      <p:cBhvr>
+                                        <p:cTn id="7" dur="500"/>
+                                        <p:tgtEl>
+                                          <p:spTgt spid="3">
+                                            <p:txEl>
+                                              <p:pRg st="0" end="0"/>
+                                            </p:txEl>
+                                          </p:spTgt>
+                                        </p:tgtEl>
+                                      </p:cBhvr>
+                                    </p:animEffect>
+                                  </p:childTnLst>
+                                </p:cTn>
+                              </p:par>
+                              <p:par>
+                                <p:cTn id="8" presetID="10" presetClass="entr" presetSubtype="0" fill="hold" grpId="0" nodeType="withEffect">
+                                  <p:stCondLst>
+                                    <p:cond delay="0"/>
+                                  </p:stCondLst>
+                                  <p:childTnLst>
+                                    <p:set>
+                                      <p:cBhvr>
+                                        <p:cTn id="9" dur="1" fill="hold">
+                                          <p:stCondLst>
+                                            <p:cond delay="0"/>
+                                          </p:stCondLst>
+                                        </p:cTn>
+                                        <p:tgtEl>
+                                          <p:spTgt spid="4">
+                                            <p:txEl>
+                                              <p:pRg st="0" end="0"/>
+                                            </p:txEl>
+                                          </p:spTgt>
+                                        </p:tgtEl>
+                                        <p:attrNameLst>
+                                          <p:attrName>style.visibility</p:attrName>
+                                        </p:attrNameLst>
+                                      </p:cBhvr>
+                                      <p:to>
+                                        <p:strVal val="visible"/>
+                                      </p:to>
+                                    </p:set>
+                                    <p:animEffect transition="in" filter="fade">
+                                      <p:cBhvr>
+                                        <p:cTn id="10" dur="500"/>
+                                        <p:tgtEl>
+                                          <p:spTgt spid="4">
+                                            <p:txEl>
+                                              <p:pRg st="0" end="0"/>
+                                            </p:txEl>
+                                          </p:spTgt>
+                                        </p:tgtEl>
+                                      </p:cBhvr>
+                                    </p:animEffect>
+                                  </p:childTnLst>
+                                </p:cTn>
+                              </p:par>
+                              <p:par>
+                                <p:cTn id="11" presetID="10" presetClass="entr" presetSubtype="0" fill="hold" grpId="0" nodeType="withEffect">
+                                  <p:stCondLst>
+                                    <p:cond delay="0"/>
+                                  </p:stCondLst>
+                                  <p:childTnLst>
+                                    <p:set>
+                                      <p:cBhvr>
+                                        <p:cTn id="12" dur="1" fill="hold">
+                                          <p:stCondLst>
+                                            <p:cond delay="0"/>
+                                          </p:stCondLst>
+                                        </p:cTn>
+                                        <p:tgtEl>
+                                          <p:spTgt spid="4">
+                                            <p:txEl>
+                                              <p:pRg st="1" end="1"/>
+                                            </p:txEl>
+                                          </p:spTgt>
+                                        </p:tgtEl>
+                                        <p:attrNameLst>
+                                          <p:attrName>style.visibility</p:attrName>
+                                        </p:attrNameLst>
+                                      </p:cBhvr>
+                                      <p:to>
+                                        <p:strVal val="visible"/>
+                                      </p:to>
+                                    </p:set>
+                                    <p:animEffect transition="in" filter="fade">
+                                      <p:cBhvr>
+                                        <p:cTn id="13" dur="500"/>
+                                        <p:tgtEl>
+                                          <p:spTgt spid="4">
+                                            <p:txEl>
+                                              <p:pRg st="1" end="1"/>
+                                            </p:txEl>
+                                          </p:spTgt>
+                                        </p:tgtEl>
+                                      </p:cBhvr>
+                                    </p:animEffect>
+                                  </p:childTnLst>
+                                </p:cTn>
+                              </p:par>
+                            </p:childTnLst>
+                          </p:cTn>
+                        </p:par>
+                      </p:childTnLst>
+                    </p:cTn>
+                  </p:par>
+                </p:childTnLst>
+              </p:cTn>
+              <p:prevCondLst>
+                <p:cond evt="onPrev" delay="0">
+                  <p:tgtEl>
+                    <p:sldTgt/>
+                  </p:tgtEl>
+                </p:cond>
+              </p:prevCondLst>
+              <p:nextCondLst>
+                <p:cond evt="onNext" delay="0">
+                  <p:tgtEl>
+                    <p:sldTgt/>
+                  </p:tgtEl>
+                </p:cond>
+              </p:nextCondLst>
+            </p:seq>
+          </p:childTnLst>
+        </p:cTn>
+      </p:par>
+    </p:tnLst>
+    <p:bldLst>
+      <p:bldP spid="3" grpId="0" build="p"/>
+      <p:bldP spid="4" grpId="0" uiExpand="1" build="p"/>
+    </p:bldLst>
+  </p:timing>
+</p:sld>
+</file>
+
+<file path=ppt/slides/slide12.xml><?xml version="1.0" encoding="utf-8"?>
+<p:sld xmlns:a="http://schemas.openxmlformats.org/drawingml/2006/main" xmlns:r="http://schemas.openxmlformats.org/officeDocument/2006/relationships" xmlns:p="http://schemas.openxmlformats.org/presentationml/2006/main">
+  <p:cSld>
+    <p:spTree>
+      <p:nvGrpSpPr>
+        <p:cNvPr id="1" name=""/>
+        <p:cNvGrpSpPr/>
+        <p:nvPr/>
+      </p:nvGrpSpPr>
+      <p:grpSpPr>
+        <a:xfrm>
+          <a:off x="0" y="0"/>
+          <a:ext cx="0" cy="0"/>
+          <a:chOff x="0" y="0"/>
+          <a:chExt cx="0" cy="0"/>
+        </a:xfrm>
+      </p:grpSpPr>
+      <p:sp>
+        <p:nvSpPr>
           <p:cNvPr id="2" name="Picture Placeholder 1">
             <a:extLst>
               <a:ext uri="{FF2B5EF4-FFF2-40B4-BE49-F238E27FC236}">
@@ -11879,7 +12885,7 @@
               <a:pPr>
                 <a:defRPr/>
               </a:pPr>
-              <a:t>10</a:t>
+              <a:t>12</a:t>
             </a:fld>
             <a:endParaRPr lang="en-US" dirty="0">
               <a:solidFill>
@@ -12279,7 +13285,7 @@
 </p:sld>
 </file>
 
-<file path=ppt/slides/slide11.xml><?xml version="1.0" encoding="utf-8"?>
+<file path=ppt/slides/slide13.xml><?xml version="1.0" encoding="utf-8"?>
 <p:sld xmlns:a="http://schemas.openxmlformats.org/drawingml/2006/main" xmlns:r="http://schemas.openxmlformats.org/officeDocument/2006/relationships" xmlns:p="http://schemas.openxmlformats.org/presentationml/2006/main">
   <p:cSld>
     <p:spTree>
@@ -12456,7 +13462,7 @@
               <a:pPr>
                 <a:defRPr/>
               </a:pPr>
-              <a:t>11</a:t>
+              <a:t>13</a:t>
             </a:fld>
             <a:endParaRPr lang="en-US" dirty="0">
               <a:solidFill>
@@ -12902,7 +13908,7 @@
 </p:sld>
 </file>
 
-<file path=ppt/slides/slide12.xml><?xml version="1.0" encoding="utf-8"?>
+<file path=ppt/slides/slide14.xml><?xml version="1.0" encoding="utf-8"?>
 <p:sld xmlns:a="http://schemas.openxmlformats.org/drawingml/2006/main" xmlns:r="http://schemas.openxmlformats.org/officeDocument/2006/relationships" xmlns:p="http://schemas.openxmlformats.org/presentationml/2006/main">
   <p:cSld>
     <p:spTree>
@@ -13092,7 +14098,7 @@
               <a:pPr>
                 <a:defRPr/>
               </a:pPr>
-              <a:t>12</a:t>
+              <a:t>14</a:t>
             </a:fld>
             <a:endParaRPr lang="en-US" dirty="0">
               <a:solidFill>
@@ -13312,7 +14318,7 @@
 </p:sld>
 </file>
 
-<file path=ppt/slides/slide13.xml><?xml version="1.0" encoding="utf-8"?>
+<file path=ppt/slides/slide15.xml><?xml version="1.0" encoding="utf-8"?>
 <p:sld xmlns:a="http://schemas.openxmlformats.org/drawingml/2006/main" xmlns:r="http://schemas.openxmlformats.org/officeDocument/2006/relationships" xmlns:p="http://schemas.openxmlformats.org/presentationml/2006/main">
   <p:cSld>
     <p:spTree>
@@ -13457,7 +14463,7 @@
               <a:pPr>
                 <a:defRPr/>
               </a:pPr>
-              <a:t>13</a:t>
+              <a:t>15</a:t>
             </a:fld>
             <a:endParaRPr lang="en-US" dirty="0">
               <a:solidFill>
@@ -13854,7 +14860,7 @@
 </p:sld>
 </file>
 
-<file path=ppt/slides/slide14.xml><?xml version="1.0" encoding="utf-8"?>
+<file path=ppt/slides/slide16.xml><?xml version="1.0" encoding="utf-8"?>
 <p:sld xmlns:a="http://schemas.openxmlformats.org/drawingml/2006/main" xmlns:r="http://schemas.openxmlformats.org/officeDocument/2006/relationships" xmlns:p="http://schemas.openxmlformats.org/presentationml/2006/main">
   <p:cSld>
     <p:spTree>
@@ -14025,7 +15031,7 @@
               <a:pPr>
                 <a:defRPr/>
               </a:pPr>
-              <a:t>14</a:t>
+              <a:t>16</a:t>
             </a:fld>
             <a:endParaRPr lang="en-US" dirty="0">
               <a:solidFill>
@@ -14399,7 +15405,7 @@
 </p:sld>
 </file>
 
-<file path=ppt/slides/slide15.xml><?xml version="1.0" encoding="utf-8"?>
+<file path=ppt/slides/slide17.xml><?xml version="1.0" encoding="utf-8"?>
 <p:sld xmlns:a="http://schemas.openxmlformats.org/drawingml/2006/main" xmlns:r="http://schemas.openxmlformats.org/officeDocument/2006/relationships" xmlns:p="http://schemas.openxmlformats.org/presentationml/2006/main">
   <p:cSld>
     <p:spTree>
@@ -14576,7 +15582,7 @@
               <a:pPr>
                 <a:defRPr/>
               </a:pPr>
-              <a:t>15</a:t>
+              <a:t>17</a:t>
             </a:fld>
             <a:endParaRPr lang="en-US" dirty="0">
               <a:solidFill>
@@ -14733,7 +15739,7 @@
 </p:sld>
 </file>
 
-<file path=ppt/slides/slide16.xml><?xml version="1.0" encoding="utf-8"?>
+<file path=ppt/slides/slide18.xml><?xml version="1.0" encoding="utf-8"?>
 <p:sld xmlns:a="http://schemas.openxmlformats.org/drawingml/2006/main" xmlns:r="http://schemas.openxmlformats.org/officeDocument/2006/relationships" xmlns:p="http://schemas.openxmlformats.org/presentationml/2006/main">
   <p:cSld>
     <p:spTree>
@@ -14900,7 +15906,7 @@
               <a:pPr>
                 <a:defRPr/>
               </a:pPr>
-              <a:t>16</a:t>
+              <a:t>18</a:t>
             </a:fld>
             <a:endParaRPr lang="en-US" dirty="0">
               <a:solidFill>
@@ -15045,273 +16051,6 @@
 </p:sld>
 </file>
 
-<file path=ppt/slides/slide17.xml><?xml version="1.0" encoding="utf-8"?>
-<p:sld xmlns:a="http://schemas.openxmlformats.org/drawingml/2006/main" xmlns:r="http://schemas.openxmlformats.org/officeDocument/2006/relationships" xmlns:p="http://schemas.openxmlformats.org/presentationml/2006/main">
-  <p:cSld>
-    <p:spTree>
-      <p:nvGrpSpPr>
-        <p:cNvPr id="1" name=""/>
-        <p:cNvGrpSpPr/>
-        <p:nvPr/>
-      </p:nvGrpSpPr>
-      <p:grpSpPr>
-        <a:xfrm>
-          <a:off x="0" y="0"/>
-          <a:ext cx="0" cy="0"/>
-          <a:chOff x="0" y="0"/>
-          <a:chExt cx="0" cy="0"/>
-        </a:xfrm>
-      </p:grpSpPr>
-      <p:sp>
-        <p:nvSpPr>
-          <p:cNvPr id="2" name="Title 1">
-            <a:extLst>
-              <a:ext uri="{FF2B5EF4-FFF2-40B4-BE49-F238E27FC236}">
-                <a16:creationId xmlns:a16="http://schemas.microsoft.com/office/drawing/2014/main" id="{4C34D807-97D6-4806-9916-1CB7180FF280}"/>
-              </a:ext>
-            </a:extLst>
-          </p:cNvPr>
-          <p:cNvSpPr>
-            <a:spLocks noGrp="1"/>
-          </p:cNvSpPr>
-          <p:nvPr>
-            <p:ph type="title"/>
-          </p:nvPr>
-        </p:nvSpPr>
-        <p:spPr/>
-        <p:txBody>
-          <a:bodyPr/>
-          <a:lstStyle/>
-          <a:p>
-            <a:r>
-              <a:rPr lang="en-GB" dirty="0"/>
-              <a:t>Demo time </a:t>
-            </a:r>
-            <a:r>
-              <a:rPr lang="en-GB" dirty="0">
-                <a:sym typeface="Wingdings" panose="05000000000000000000" pitchFamily="2" charset="2"/>
-              </a:rPr>
-              <a:t></a:t>
-            </a:r>
-            <a:endParaRPr lang="en-GB" dirty="0"/>
-          </a:p>
-        </p:txBody>
-      </p:sp>
-      <p:sp>
-        <p:nvSpPr>
-          <p:cNvPr id="3" name="Text Placeholder 2">
-            <a:extLst>
-              <a:ext uri="{FF2B5EF4-FFF2-40B4-BE49-F238E27FC236}">
-                <a16:creationId xmlns:a16="http://schemas.microsoft.com/office/drawing/2014/main" id="{71D935B6-DE53-4614-8D0E-A8E7A4F365B7}"/>
-              </a:ext>
-            </a:extLst>
-          </p:cNvPr>
-          <p:cNvSpPr>
-            <a:spLocks noGrp="1"/>
-          </p:cNvSpPr>
-          <p:nvPr>
-            <p:ph type="body" idx="1"/>
-          </p:nvPr>
-        </p:nvSpPr>
-        <p:spPr/>
-        <p:txBody>
-          <a:bodyPr/>
-          <a:lstStyle/>
-          <a:p>
-            <a:endParaRPr lang="en-GB"/>
-          </a:p>
-        </p:txBody>
-      </p:sp>
-    </p:spTree>
-    <p:extLst>
-      <p:ext uri="{BB962C8B-B14F-4D97-AF65-F5344CB8AC3E}">
-        <p14:creationId xmlns:p14="http://schemas.microsoft.com/office/powerpoint/2010/main" val="694481287"/>
-      </p:ext>
-    </p:extLst>
-  </p:cSld>
-  <p:clrMapOvr>
-    <a:masterClrMapping/>
-  </p:clrMapOvr>
-</p:sld>
-</file>
-
-<file path=ppt/slides/slide18.xml><?xml version="1.0" encoding="utf-8"?>
-<p:sld xmlns:a="http://schemas.openxmlformats.org/drawingml/2006/main" xmlns:r="http://schemas.openxmlformats.org/officeDocument/2006/relationships" xmlns:p="http://schemas.openxmlformats.org/presentationml/2006/main">
-  <p:cSld>
-    <p:spTree>
-      <p:nvGrpSpPr>
-        <p:cNvPr id="1" name=""/>
-        <p:cNvGrpSpPr/>
-        <p:nvPr/>
-      </p:nvGrpSpPr>
-      <p:grpSpPr>
-        <a:xfrm>
-          <a:off x="0" y="0"/>
-          <a:ext cx="0" cy="0"/>
-          <a:chOff x="0" y="0"/>
-          <a:chExt cx="0" cy="0"/>
-        </a:xfrm>
-      </p:grpSpPr>
-      <p:pic>
-        <p:nvPicPr>
-          <p:cNvPr id="9" name="Picture 8">
-            <a:extLst>
-              <a:ext uri="{FF2B5EF4-FFF2-40B4-BE49-F238E27FC236}">
-                <a16:creationId xmlns:a16="http://schemas.microsoft.com/office/drawing/2014/main" id="{7C7C38D6-FB4D-410A-882C-C3243A0D279F}"/>
-              </a:ext>
-            </a:extLst>
-          </p:cNvPr>
-          <p:cNvPicPr>
-            <a:picLocks noChangeAspect="1"/>
-          </p:cNvPicPr>
-          <p:nvPr/>
-        </p:nvPicPr>
-        <p:blipFill>
-          <a:blip r:embed="rId2"/>
-          <a:stretch>
-            <a:fillRect/>
-          </a:stretch>
-        </p:blipFill>
-        <p:spPr>
-          <a:xfrm>
-            <a:off x="2762963" y="1299411"/>
-            <a:ext cx="6666074" cy="5558589"/>
-          </a:xfrm>
-          <a:prstGeom prst="rect">
-            <a:avLst/>
-          </a:prstGeom>
-        </p:spPr>
-      </p:pic>
-      <p:sp>
-        <p:nvSpPr>
-          <p:cNvPr id="2" name="Title 1">
-            <a:extLst>
-              <a:ext uri="{FF2B5EF4-FFF2-40B4-BE49-F238E27FC236}">
-                <a16:creationId xmlns:a16="http://schemas.microsoft.com/office/drawing/2014/main" id="{956FCFFB-1851-4F2D-98A4-BE65090F2668}"/>
-              </a:ext>
-            </a:extLst>
-          </p:cNvPr>
-          <p:cNvSpPr>
-            <a:spLocks noGrp="1"/>
-          </p:cNvSpPr>
-          <p:nvPr>
-            <p:ph type="title"/>
-          </p:nvPr>
-        </p:nvSpPr>
-        <p:spPr/>
-        <p:txBody>
-          <a:bodyPr/>
-          <a:lstStyle/>
-          <a:p>
-            <a:r>
-              <a:rPr lang="nl-BE" dirty="0" err="1"/>
-              <a:t>Composition</a:t>
-            </a:r>
-            <a:r>
-              <a:rPr lang="nl-BE" dirty="0"/>
-              <a:t> API</a:t>
-            </a:r>
-            <a:endParaRPr lang="en-GB" dirty="0"/>
-          </a:p>
-        </p:txBody>
-      </p:sp>
-      <p:sp>
-        <p:nvSpPr>
-          <p:cNvPr id="4" name="Footer Placeholder 3">
-            <a:extLst>
-              <a:ext uri="{FF2B5EF4-FFF2-40B4-BE49-F238E27FC236}">
-                <a16:creationId xmlns:a16="http://schemas.microsoft.com/office/drawing/2014/main" id="{862C4581-60C8-46E2-844D-124AE4D52FEA}"/>
-              </a:ext>
-            </a:extLst>
-          </p:cNvPr>
-          <p:cNvSpPr>
-            <a:spLocks noGrp="1"/>
-          </p:cNvSpPr>
-          <p:nvPr>
-            <p:ph type="ftr" sz="quarter" idx="11"/>
-          </p:nvPr>
-        </p:nvSpPr>
-        <p:spPr/>
-        <p:txBody>
-          <a:bodyPr/>
-          <a:lstStyle/>
-          <a:p>
-            <a:pPr>
-              <a:defRPr/>
-            </a:pPr>
-            <a:r>
-              <a:rPr lang="en-US" dirty="0">
-                <a:solidFill>
-                  <a:prstClr val="black">
-                    <a:tint val="75000"/>
-                  </a:prstClr>
-                </a:solidFill>
-              </a:rPr>
-              <a:t>Vue Composition API</a:t>
-            </a:r>
-          </a:p>
-        </p:txBody>
-      </p:sp>
-      <p:sp>
-        <p:nvSpPr>
-          <p:cNvPr id="5" name="Slide Number Placeholder 4">
-            <a:extLst>
-              <a:ext uri="{FF2B5EF4-FFF2-40B4-BE49-F238E27FC236}">
-                <a16:creationId xmlns:a16="http://schemas.microsoft.com/office/drawing/2014/main" id="{695B7F63-F3CE-4412-A761-5EDC549A3045}"/>
-              </a:ext>
-            </a:extLst>
-          </p:cNvPr>
-          <p:cNvSpPr>
-            <a:spLocks noGrp="1"/>
-          </p:cNvSpPr>
-          <p:nvPr>
-            <p:ph type="sldNum" sz="quarter" idx="12"/>
-          </p:nvPr>
-        </p:nvSpPr>
-        <p:spPr/>
-        <p:txBody>
-          <a:bodyPr/>
-          <a:lstStyle/>
-          <a:p>
-            <a:pPr>
-              <a:defRPr/>
-            </a:pPr>
-            <a:fld id="{D76B855D-E9CC-4FF8-AD85-6CDC7B89A0DE}" type="slidenum">
-              <a:rPr lang="en-US" smtClean="0">
-                <a:solidFill>
-                  <a:prstClr val="black">
-                    <a:tint val="75000"/>
-                  </a:prstClr>
-                </a:solidFill>
-              </a:rPr>
-              <a:pPr>
-                <a:defRPr/>
-              </a:pPr>
-              <a:t>18</a:t>
-            </a:fld>
-            <a:endParaRPr lang="en-US" dirty="0">
-              <a:solidFill>
-                <a:prstClr val="black">
-                  <a:tint val="75000"/>
-                </a:prstClr>
-              </a:solidFill>
-            </a:endParaRPr>
-          </a:p>
-        </p:txBody>
-      </p:sp>
-    </p:spTree>
-    <p:extLst>
-      <p:ext uri="{BB962C8B-B14F-4D97-AF65-F5344CB8AC3E}">
-        <p14:creationId xmlns:p14="http://schemas.microsoft.com/office/powerpoint/2010/main" val="4083263061"/>
-      </p:ext>
-    </p:extLst>
-  </p:cSld>
-  <p:clrMapOvr>
-    <a:masterClrMapping/>
-  </p:clrMapOvr>
-</p:sld>
-</file>
-
 <file path=ppt/slides/slide19.xml><?xml version="1.0" encoding="utf-8"?>
 <p:sld xmlns:a="http://schemas.openxmlformats.org/drawingml/2006/main" xmlns:r="http://schemas.openxmlformats.org/officeDocument/2006/relationships" xmlns:p="http://schemas.openxmlformats.org/presentationml/2006/main">
   <p:cSld>
@@ -15334,7 +16073,7 @@
           <p:cNvPr id="2" name="Title 1">
             <a:extLst>
               <a:ext uri="{FF2B5EF4-FFF2-40B4-BE49-F238E27FC236}">
-                <a16:creationId xmlns:a16="http://schemas.microsoft.com/office/drawing/2014/main" id="{956FCFFB-1851-4F2D-98A4-BE65090F2668}"/>
+                <a16:creationId xmlns:a16="http://schemas.microsoft.com/office/drawing/2014/main" id="{4C34D807-97D6-4806-9916-1CB7180FF280}"/>
               </a:ext>
             </a:extLst>
           </p:cNvPr>
@@ -15351,12 +16090,14 @@
           <a:lstStyle/>
           <a:p>
             <a:r>
-              <a:rPr lang="nl-BE" dirty="0" err="1"/>
-              <a:t>Composition</a:t>
-            </a:r>
-            <a:r>
-              <a:rPr lang="nl-BE" dirty="0"/>
-              <a:t> API</a:t>
+              <a:rPr lang="en-GB" dirty="0"/>
+              <a:t>Demo time </a:t>
+            </a:r>
+            <a:r>
+              <a:rPr lang="en-GB" dirty="0">
+                <a:sym typeface="Wingdings" panose="05000000000000000000" pitchFamily="2" charset="2"/>
+              </a:rPr>
+              <a:t></a:t>
             </a:r>
             <a:endParaRPr lang="en-GB" dirty="0"/>
           </a:p>
@@ -15364,10 +16105,10 @@
       </p:sp>
       <p:sp>
         <p:nvSpPr>
-          <p:cNvPr id="4" name="Footer Placeholder 3">
-            <a:extLst>
-              <a:ext uri="{FF2B5EF4-FFF2-40B4-BE49-F238E27FC236}">
-                <a16:creationId xmlns:a16="http://schemas.microsoft.com/office/drawing/2014/main" id="{862C4581-60C8-46E2-844D-124AE4D52FEA}"/>
+          <p:cNvPr id="3" name="Text Placeholder 2">
+            <a:extLst>
+              <a:ext uri="{FF2B5EF4-FFF2-40B4-BE49-F238E27FC236}">
+                <a16:creationId xmlns:a16="http://schemas.microsoft.com/office/drawing/2014/main" id="{71D935B6-DE53-4614-8D0E-A8E7A4F365B7}"/>
               </a:ext>
             </a:extLst>
           </p:cNvPr>
@@ -15375,7 +16116,7 @@
             <a:spLocks noGrp="1"/>
           </p:cNvSpPr>
           <p:nvPr>
-            <p:ph type="ftr" sz="quarter" idx="11"/>
+            <p:ph type="body" idx="1"/>
           </p:nvPr>
         </p:nvSpPr>
         <p:spPr/>
@@ -15383,121 +16124,20 @@
           <a:bodyPr/>
           <a:lstStyle/>
           <a:p>
-            <a:pPr>
-              <a:defRPr/>
-            </a:pPr>
-            <a:r>
-              <a:rPr lang="en-US" dirty="0">
-                <a:solidFill>
-                  <a:prstClr val="black">
-                    <a:tint val="75000"/>
-                  </a:prstClr>
-                </a:solidFill>
-              </a:rPr>
-              <a:t>Vue Composition API</a:t>
-            </a:r>
+            <a:endParaRPr lang="en-GB"/>
           </a:p>
         </p:txBody>
       </p:sp>
-      <p:sp>
-        <p:nvSpPr>
-          <p:cNvPr id="5" name="Slide Number Placeholder 4">
-            <a:extLst>
-              <a:ext uri="{FF2B5EF4-FFF2-40B4-BE49-F238E27FC236}">
-                <a16:creationId xmlns:a16="http://schemas.microsoft.com/office/drawing/2014/main" id="{695B7F63-F3CE-4412-A761-5EDC549A3045}"/>
-              </a:ext>
-            </a:extLst>
-          </p:cNvPr>
-          <p:cNvSpPr>
-            <a:spLocks noGrp="1"/>
-          </p:cNvSpPr>
-          <p:nvPr>
-            <p:ph type="sldNum" sz="quarter" idx="12"/>
-          </p:nvPr>
-        </p:nvSpPr>
-        <p:spPr/>
-        <p:txBody>
-          <a:bodyPr/>
-          <a:lstStyle/>
-          <a:p>
-            <a:pPr>
-              <a:defRPr/>
-            </a:pPr>
-            <a:fld id="{D76B855D-E9CC-4FF8-AD85-6CDC7B89A0DE}" type="slidenum">
-              <a:rPr lang="en-US" smtClean="0">
-                <a:solidFill>
-                  <a:prstClr val="black">
-                    <a:tint val="75000"/>
-                  </a:prstClr>
-                </a:solidFill>
-              </a:rPr>
-              <a:pPr>
-                <a:defRPr/>
-              </a:pPr>
-              <a:t>19</a:t>
-            </a:fld>
-            <a:endParaRPr lang="en-US" dirty="0">
-              <a:solidFill>
-                <a:prstClr val="black">
-                  <a:tint val="75000"/>
-                </a:prstClr>
-              </a:solidFill>
-            </a:endParaRPr>
-          </a:p>
-        </p:txBody>
-      </p:sp>
-      <p:pic>
-        <p:nvPicPr>
-          <p:cNvPr id="12" name="Picture 11">
-            <a:extLst>
-              <a:ext uri="{FF2B5EF4-FFF2-40B4-BE49-F238E27FC236}">
-                <a16:creationId xmlns:a16="http://schemas.microsoft.com/office/drawing/2014/main" id="{1C2CD39A-C1E7-42FF-86A2-440D0E0E3C7B}"/>
-              </a:ext>
-            </a:extLst>
-          </p:cNvPr>
-          <p:cNvPicPr>
-            <a:picLocks noChangeAspect="1"/>
-          </p:cNvPicPr>
-          <p:nvPr/>
-        </p:nvPicPr>
-        <p:blipFill>
-          <a:blip r:embed="rId2"/>
-          <a:stretch>
-            <a:fillRect/>
-          </a:stretch>
-        </p:blipFill>
-        <p:spPr>
-          <a:xfrm>
-            <a:off x="1831909" y="1690688"/>
-            <a:ext cx="9124950" cy="4362450"/>
-          </a:xfrm>
-          <a:prstGeom prst="rect">
-            <a:avLst/>
-          </a:prstGeom>
-        </p:spPr>
-      </p:pic>
     </p:spTree>
     <p:extLst>
       <p:ext uri="{BB962C8B-B14F-4D97-AF65-F5344CB8AC3E}">
-        <p14:creationId xmlns:p14="http://schemas.microsoft.com/office/powerpoint/2010/main" val="1797172648"/>
+        <p14:creationId xmlns:p14="http://schemas.microsoft.com/office/powerpoint/2010/main" val="694481287"/>
       </p:ext>
     </p:extLst>
   </p:cSld>
   <p:clrMapOvr>
     <a:masterClrMapping/>
   </p:clrMapOvr>
-  <mc:AlternateContent xmlns:mc="http://schemas.openxmlformats.org/markup-compatibility/2006" xmlns:p14="http://schemas.microsoft.com/office/powerpoint/2010/main">
-    <mc:Choice Requires="p14">
-      <p:transition spd="med" p14:dur="700">
-        <p:fade/>
-      </p:transition>
-    </mc:Choice>
-    <mc:Fallback xmlns="">
-      <p:transition spd="med">
-        <p:fade/>
-      </p:transition>
-    </mc:Fallback>
-  </mc:AlternateContent>
 </p:sld>
 </file>
 
@@ -15841,6 +16481,36 @@
           <a:chExt cx="0" cy="0"/>
         </a:xfrm>
       </p:grpSpPr>
+      <p:pic>
+        <p:nvPicPr>
+          <p:cNvPr id="9" name="Picture 8">
+            <a:extLst>
+              <a:ext uri="{FF2B5EF4-FFF2-40B4-BE49-F238E27FC236}">
+                <a16:creationId xmlns:a16="http://schemas.microsoft.com/office/drawing/2014/main" id="{7C7C38D6-FB4D-410A-882C-C3243A0D279F}"/>
+              </a:ext>
+            </a:extLst>
+          </p:cNvPr>
+          <p:cNvPicPr>
+            <a:picLocks noChangeAspect="1"/>
+          </p:cNvPicPr>
+          <p:nvPr/>
+        </p:nvPicPr>
+        <p:blipFill>
+          <a:blip r:embed="rId2"/>
+          <a:stretch>
+            <a:fillRect/>
+          </a:stretch>
+        </p:blipFill>
+        <p:spPr>
+          <a:xfrm>
+            <a:off x="2762963" y="1299411"/>
+            <a:ext cx="6666074" cy="5558589"/>
+          </a:xfrm>
+          <a:prstGeom prst="rect">
+            <a:avLst/>
+          </a:prstGeom>
+        </p:spPr>
+      </p:pic>
       <p:sp>
         <p:nvSpPr>
           <p:cNvPr id="2" name="Title 1">
@@ -15947,6 +16617,342 @@
                 <a:defRPr/>
               </a:pPr>
               <a:t>20</a:t>
+            </a:fld>
+            <a:endParaRPr lang="en-US" dirty="0">
+              <a:solidFill>
+                <a:prstClr val="black">
+                  <a:tint val="75000"/>
+                </a:prstClr>
+              </a:solidFill>
+            </a:endParaRPr>
+          </a:p>
+        </p:txBody>
+      </p:sp>
+    </p:spTree>
+    <p:extLst>
+      <p:ext uri="{BB962C8B-B14F-4D97-AF65-F5344CB8AC3E}">
+        <p14:creationId xmlns:p14="http://schemas.microsoft.com/office/powerpoint/2010/main" val="4083263061"/>
+      </p:ext>
+    </p:extLst>
+  </p:cSld>
+  <p:clrMapOvr>
+    <a:masterClrMapping/>
+  </p:clrMapOvr>
+</p:sld>
+</file>
+
+<file path=ppt/slides/slide21.xml><?xml version="1.0" encoding="utf-8"?>
+<p:sld xmlns:a="http://schemas.openxmlformats.org/drawingml/2006/main" xmlns:r="http://schemas.openxmlformats.org/officeDocument/2006/relationships" xmlns:p="http://schemas.openxmlformats.org/presentationml/2006/main">
+  <p:cSld>
+    <p:spTree>
+      <p:nvGrpSpPr>
+        <p:cNvPr id="1" name=""/>
+        <p:cNvGrpSpPr/>
+        <p:nvPr/>
+      </p:nvGrpSpPr>
+      <p:grpSpPr>
+        <a:xfrm>
+          <a:off x="0" y="0"/>
+          <a:ext cx="0" cy="0"/>
+          <a:chOff x="0" y="0"/>
+          <a:chExt cx="0" cy="0"/>
+        </a:xfrm>
+      </p:grpSpPr>
+      <p:sp>
+        <p:nvSpPr>
+          <p:cNvPr id="2" name="Title 1">
+            <a:extLst>
+              <a:ext uri="{FF2B5EF4-FFF2-40B4-BE49-F238E27FC236}">
+                <a16:creationId xmlns:a16="http://schemas.microsoft.com/office/drawing/2014/main" id="{956FCFFB-1851-4F2D-98A4-BE65090F2668}"/>
+              </a:ext>
+            </a:extLst>
+          </p:cNvPr>
+          <p:cNvSpPr>
+            <a:spLocks noGrp="1"/>
+          </p:cNvSpPr>
+          <p:nvPr>
+            <p:ph type="title"/>
+          </p:nvPr>
+        </p:nvSpPr>
+        <p:spPr/>
+        <p:txBody>
+          <a:bodyPr/>
+          <a:lstStyle/>
+          <a:p>
+            <a:r>
+              <a:rPr lang="nl-BE" dirty="0" err="1"/>
+              <a:t>Composition</a:t>
+            </a:r>
+            <a:r>
+              <a:rPr lang="nl-BE" dirty="0"/>
+              <a:t> API</a:t>
+            </a:r>
+            <a:endParaRPr lang="en-GB" dirty="0"/>
+          </a:p>
+        </p:txBody>
+      </p:sp>
+      <p:sp>
+        <p:nvSpPr>
+          <p:cNvPr id="4" name="Footer Placeholder 3">
+            <a:extLst>
+              <a:ext uri="{FF2B5EF4-FFF2-40B4-BE49-F238E27FC236}">
+                <a16:creationId xmlns:a16="http://schemas.microsoft.com/office/drawing/2014/main" id="{862C4581-60C8-46E2-844D-124AE4D52FEA}"/>
+              </a:ext>
+            </a:extLst>
+          </p:cNvPr>
+          <p:cNvSpPr>
+            <a:spLocks noGrp="1"/>
+          </p:cNvSpPr>
+          <p:nvPr>
+            <p:ph type="ftr" sz="quarter" idx="11"/>
+          </p:nvPr>
+        </p:nvSpPr>
+        <p:spPr/>
+        <p:txBody>
+          <a:bodyPr/>
+          <a:lstStyle/>
+          <a:p>
+            <a:pPr>
+              <a:defRPr/>
+            </a:pPr>
+            <a:r>
+              <a:rPr lang="en-US" dirty="0">
+                <a:solidFill>
+                  <a:prstClr val="black">
+                    <a:tint val="75000"/>
+                  </a:prstClr>
+                </a:solidFill>
+              </a:rPr>
+              <a:t>Vue Composition API</a:t>
+            </a:r>
+          </a:p>
+        </p:txBody>
+      </p:sp>
+      <p:sp>
+        <p:nvSpPr>
+          <p:cNvPr id="5" name="Slide Number Placeholder 4">
+            <a:extLst>
+              <a:ext uri="{FF2B5EF4-FFF2-40B4-BE49-F238E27FC236}">
+                <a16:creationId xmlns:a16="http://schemas.microsoft.com/office/drawing/2014/main" id="{695B7F63-F3CE-4412-A761-5EDC549A3045}"/>
+              </a:ext>
+            </a:extLst>
+          </p:cNvPr>
+          <p:cNvSpPr>
+            <a:spLocks noGrp="1"/>
+          </p:cNvSpPr>
+          <p:nvPr>
+            <p:ph type="sldNum" sz="quarter" idx="12"/>
+          </p:nvPr>
+        </p:nvSpPr>
+        <p:spPr/>
+        <p:txBody>
+          <a:bodyPr/>
+          <a:lstStyle/>
+          <a:p>
+            <a:pPr>
+              <a:defRPr/>
+            </a:pPr>
+            <a:fld id="{D76B855D-E9CC-4FF8-AD85-6CDC7B89A0DE}" type="slidenum">
+              <a:rPr lang="en-US" smtClean="0">
+                <a:solidFill>
+                  <a:prstClr val="black">
+                    <a:tint val="75000"/>
+                  </a:prstClr>
+                </a:solidFill>
+              </a:rPr>
+              <a:pPr>
+                <a:defRPr/>
+              </a:pPr>
+              <a:t>21</a:t>
+            </a:fld>
+            <a:endParaRPr lang="en-US" dirty="0">
+              <a:solidFill>
+                <a:prstClr val="black">
+                  <a:tint val="75000"/>
+                </a:prstClr>
+              </a:solidFill>
+            </a:endParaRPr>
+          </a:p>
+        </p:txBody>
+      </p:sp>
+      <p:pic>
+        <p:nvPicPr>
+          <p:cNvPr id="12" name="Picture 11">
+            <a:extLst>
+              <a:ext uri="{FF2B5EF4-FFF2-40B4-BE49-F238E27FC236}">
+                <a16:creationId xmlns:a16="http://schemas.microsoft.com/office/drawing/2014/main" id="{1C2CD39A-C1E7-42FF-86A2-440D0E0E3C7B}"/>
+              </a:ext>
+            </a:extLst>
+          </p:cNvPr>
+          <p:cNvPicPr>
+            <a:picLocks noChangeAspect="1"/>
+          </p:cNvPicPr>
+          <p:nvPr/>
+        </p:nvPicPr>
+        <p:blipFill>
+          <a:blip r:embed="rId2"/>
+          <a:stretch>
+            <a:fillRect/>
+          </a:stretch>
+        </p:blipFill>
+        <p:spPr>
+          <a:xfrm>
+            <a:off x="1831909" y="1690688"/>
+            <a:ext cx="9124950" cy="4362450"/>
+          </a:xfrm>
+          <a:prstGeom prst="rect">
+            <a:avLst/>
+          </a:prstGeom>
+        </p:spPr>
+      </p:pic>
+    </p:spTree>
+    <p:extLst>
+      <p:ext uri="{BB962C8B-B14F-4D97-AF65-F5344CB8AC3E}">
+        <p14:creationId xmlns:p14="http://schemas.microsoft.com/office/powerpoint/2010/main" val="1797172648"/>
+      </p:ext>
+    </p:extLst>
+  </p:cSld>
+  <p:clrMapOvr>
+    <a:masterClrMapping/>
+  </p:clrMapOvr>
+  <mc:AlternateContent xmlns:mc="http://schemas.openxmlformats.org/markup-compatibility/2006" xmlns:p14="http://schemas.microsoft.com/office/powerpoint/2010/main">
+    <mc:Choice Requires="p14">
+      <p:transition spd="med" p14:dur="700">
+        <p:fade/>
+      </p:transition>
+    </mc:Choice>
+    <mc:Fallback xmlns="">
+      <p:transition spd="med">
+        <p:fade/>
+      </p:transition>
+    </mc:Fallback>
+  </mc:AlternateContent>
+</p:sld>
+</file>
+
+<file path=ppt/slides/slide22.xml><?xml version="1.0" encoding="utf-8"?>
+<p:sld xmlns:a="http://schemas.openxmlformats.org/drawingml/2006/main" xmlns:r="http://schemas.openxmlformats.org/officeDocument/2006/relationships" xmlns:p="http://schemas.openxmlformats.org/presentationml/2006/main">
+  <p:cSld>
+    <p:spTree>
+      <p:nvGrpSpPr>
+        <p:cNvPr id="1" name=""/>
+        <p:cNvGrpSpPr/>
+        <p:nvPr/>
+      </p:nvGrpSpPr>
+      <p:grpSpPr>
+        <a:xfrm>
+          <a:off x="0" y="0"/>
+          <a:ext cx="0" cy="0"/>
+          <a:chOff x="0" y="0"/>
+          <a:chExt cx="0" cy="0"/>
+        </a:xfrm>
+      </p:grpSpPr>
+      <p:sp>
+        <p:nvSpPr>
+          <p:cNvPr id="2" name="Title 1">
+            <a:extLst>
+              <a:ext uri="{FF2B5EF4-FFF2-40B4-BE49-F238E27FC236}">
+                <a16:creationId xmlns:a16="http://schemas.microsoft.com/office/drawing/2014/main" id="{956FCFFB-1851-4F2D-98A4-BE65090F2668}"/>
+              </a:ext>
+            </a:extLst>
+          </p:cNvPr>
+          <p:cNvSpPr>
+            <a:spLocks noGrp="1"/>
+          </p:cNvSpPr>
+          <p:nvPr>
+            <p:ph type="title"/>
+          </p:nvPr>
+        </p:nvSpPr>
+        <p:spPr/>
+        <p:txBody>
+          <a:bodyPr/>
+          <a:lstStyle/>
+          <a:p>
+            <a:r>
+              <a:rPr lang="nl-BE" dirty="0" err="1"/>
+              <a:t>Composition</a:t>
+            </a:r>
+            <a:r>
+              <a:rPr lang="nl-BE" dirty="0"/>
+              <a:t> API</a:t>
+            </a:r>
+            <a:endParaRPr lang="en-GB" dirty="0"/>
+          </a:p>
+        </p:txBody>
+      </p:sp>
+      <p:sp>
+        <p:nvSpPr>
+          <p:cNvPr id="4" name="Footer Placeholder 3">
+            <a:extLst>
+              <a:ext uri="{FF2B5EF4-FFF2-40B4-BE49-F238E27FC236}">
+                <a16:creationId xmlns:a16="http://schemas.microsoft.com/office/drawing/2014/main" id="{862C4581-60C8-46E2-844D-124AE4D52FEA}"/>
+              </a:ext>
+            </a:extLst>
+          </p:cNvPr>
+          <p:cNvSpPr>
+            <a:spLocks noGrp="1"/>
+          </p:cNvSpPr>
+          <p:nvPr>
+            <p:ph type="ftr" sz="quarter" idx="11"/>
+          </p:nvPr>
+        </p:nvSpPr>
+        <p:spPr/>
+        <p:txBody>
+          <a:bodyPr/>
+          <a:lstStyle/>
+          <a:p>
+            <a:pPr>
+              <a:defRPr/>
+            </a:pPr>
+            <a:r>
+              <a:rPr lang="en-US" dirty="0">
+                <a:solidFill>
+                  <a:prstClr val="black">
+                    <a:tint val="75000"/>
+                  </a:prstClr>
+                </a:solidFill>
+              </a:rPr>
+              <a:t>Vue Composition API</a:t>
+            </a:r>
+          </a:p>
+        </p:txBody>
+      </p:sp>
+      <p:sp>
+        <p:nvSpPr>
+          <p:cNvPr id="5" name="Slide Number Placeholder 4">
+            <a:extLst>
+              <a:ext uri="{FF2B5EF4-FFF2-40B4-BE49-F238E27FC236}">
+                <a16:creationId xmlns:a16="http://schemas.microsoft.com/office/drawing/2014/main" id="{695B7F63-F3CE-4412-A761-5EDC549A3045}"/>
+              </a:ext>
+            </a:extLst>
+          </p:cNvPr>
+          <p:cNvSpPr>
+            <a:spLocks noGrp="1"/>
+          </p:cNvSpPr>
+          <p:nvPr>
+            <p:ph type="sldNum" sz="quarter" idx="12"/>
+          </p:nvPr>
+        </p:nvSpPr>
+        <p:spPr/>
+        <p:txBody>
+          <a:bodyPr/>
+          <a:lstStyle/>
+          <a:p>
+            <a:pPr>
+              <a:defRPr/>
+            </a:pPr>
+            <a:fld id="{D76B855D-E9CC-4FF8-AD85-6CDC7B89A0DE}" type="slidenum">
+              <a:rPr lang="en-US" smtClean="0">
+                <a:solidFill>
+                  <a:prstClr val="black">
+                    <a:tint val="75000"/>
+                  </a:prstClr>
+                </a:solidFill>
+              </a:rPr>
+              <a:pPr>
+                <a:defRPr/>
+              </a:pPr>
+              <a:t>22</a:t>
             </a:fld>
             <a:endParaRPr lang="en-US" dirty="0">
               <a:solidFill>
@@ -16013,7 +17019,7 @@
 </p:sld>
 </file>
 
-<file path=ppt/slides/slide21.xml><?xml version="1.0" encoding="utf-8"?>
+<file path=ppt/slides/slide23.xml><?xml version="1.0" encoding="utf-8"?>
 <p:sld xmlns:a="http://schemas.openxmlformats.org/drawingml/2006/main" xmlns:r="http://schemas.openxmlformats.org/officeDocument/2006/relationships" xmlns:p="http://schemas.openxmlformats.org/presentationml/2006/main">
   <p:cSld>
     <p:spTree>
@@ -16046,7 +17052,12 @@
             <p:ph type="title"/>
           </p:nvPr>
         </p:nvSpPr>
-        <p:spPr/>
+        <p:spPr>
+          <a:xfrm>
+            <a:off x="1389888" y="1234441"/>
+            <a:ext cx="3236976" cy="3312622"/>
+          </a:xfrm>
+        </p:spPr>
         <p:txBody>
           <a:bodyPr/>
           <a:lstStyle/>
@@ -16112,7 +17123,7 @@
             <a:fld id="{D76B855D-E9CC-4FF8-AD85-6CDC7B89A0DE}" type="slidenum">
               <a:rPr lang="en-US" noProof="0" smtClean="0"/>
               <a:pPr lvl="0"/>
-              <a:t>21</a:t>
+              <a:t>23</a:t>
             </a:fld>
             <a:endParaRPr lang="en-US" noProof="0" dirty="0"/>
           </a:p>
@@ -16145,6 +17156,80 @@
             <a:off x="6696076" y="673895"/>
             <a:ext cx="3974110" cy="6184105"/>
           </a:xfrm>
+        </p:spPr>
+      </p:pic>
+      <p:sp>
+        <p:nvSpPr>
+          <p:cNvPr id="3" name="TextBox 2">
+            <a:extLst>
+              <a:ext uri="{FF2B5EF4-FFF2-40B4-BE49-F238E27FC236}">
+                <a16:creationId xmlns:a16="http://schemas.microsoft.com/office/drawing/2014/main" id="{109D80BC-04E6-41BE-BE81-8302B7B0607B}"/>
+              </a:ext>
+            </a:extLst>
+          </p:cNvPr>
+          <p:cNvSpPr txBox="1"/>
+          <p:nvPr/>
+        </p:nvSpPr>
+        <p:spPr>
+          <a:xfrm>
+            <a:off x="1301423" y="3259723"/>
+            <a:ext cx="4032300" cy="338554"/>
+          </a:xfrm>
+          <a:prstGeom prst="rect">
+            <a:avLst/>
+          </a:prstGeom>
+          <a:noFill/>
+        </p:spPr>
+        <p:txBody>
+          <a:bodyPr wrap="square" rtlCol="0">
+            <a:spAutoFit/>
+          </a:bodyPr>
+          <a:lstStyle/>
+          <a:p>
+            <a:r>
+              <a:rPr lang="nl-BE" sz="1600" dirty="0">
+                <a:solidFill>
+                  <a:schemeClr val="bg1"/>
+                </a:solidFill>
+              </a:rPr>
+              <a:t>https://github.com/atrX/todo-app-demo</a:t>
+            </a:r>
+            <a:endParaRPr lang="en-GB" sz="1600" dirty="0">
+              <a:solidFill>
+                <a:schemeClr val="bg1"/>
+              </a:solidFill>
+            </a:endParaRPr>
+          </a:p>
+        </p:txBody>
+      </p:sp>
+      <p:pic>
+        <p:nvPicPr>
+          <p:cNvPr id="8" name="Picture 7" descr="Icon&#10;&#10;Description automatically generated">
+            <a:extLst>
+              <a:ext uri="{FF2B5EF4-FFF2-40B4-BE49-F238E27FC236}">
+                <a16:creationId xmlns:a16="http://schemas.microsoft.com/office/drawing/2014/main" id="{F9D5C53F-190C-4487-BD92-9F3A0155309C}"/>
+              </a:ext>
+            </a:extLst>
+          </p:cNvPr>
+          <p:cNvPicPr>
+            <a:picLocks noChangeAspect="1"/>
+          </p:cNvPicPr>
+          <p:nvPr/>
+        </p:nvPicPr>
+        <p:blipFill>
+          <a:blip r:embed="rId3"/>
+          <a:stretch>
+            <a:fillRect/>
+          </a:stretch>
+        </p:blipFill>
+        <p:spPr>
+          <a:xfrm>
+            <a:off x="993645" y="3275111"/>
+            <a:ext cx="307778" cy="307778"/>
+          </a:xfrm>
+          <a:prstGeom prst="rect">
+            <a:avLst/>
+          </a:prstGeom>
         </p:spPr>
       </p:pic>
     </p:spTree>
@@ -16313,6 +17398,325 @@
 </file>
 
 <file path=ppt/slides/slide3.xml><?xml version="1.0" encoding="utf-8"?>
+<p:sld xmlns:a="http://schemas.openxmlformats.org/drawingml/2006/main" xmlns:r="http://schemas.openxmlformats.org/officeDocument/2006/relationships" xmlns:p="http://schemas.openxmlformats.org/presentationml/2006/main">
+  <p:cSld>
+    <p:spTree>
+      <p:nvGrpSpPr>
+        <p:cNvPr id="1" name=""/>
+        <p:cNvGrpSpPr/>
+        <p:nvPr/>
+      </p:nvGrpSpPr>
+      <p:grpSpPr>
+        <a:xfrm>
+          <a:off x="0" y="0"/>
+          <a:ext cx="0" cy="0"/>
+          <a:chOff x="0" y="0"/>
+          <a:chExt cx="0" cy="0"/>
+        </a:xfrm>
+      </p:grpSpPr>
+      <p:sp>
+        <p:nvSpPr>
+          <p:cNvPr id="2" name="Picture Placeholder 1">
+            <a:extLst>
+              <a:ext uri="{FF2B5EF4-FFF2-40B4-BE49-F238E27FC236}">
+                <a16:creationId xmlns:a16="http://schemas.microsoft.com/office/drawing/2014/main" id="{8F617D92-1544-4C3A-8DED-532F58C7A0E5}"/>
+              </a:ext>
+            </a:extLst>
+          </p:cNvPr>
+          <p:cNvSpPr>
+            <a:spLocks noGrp="1"/>
+          </p:cNvSpPr>
+          <p:nvPr>
+            <p:ph type="pic" sz="quarter" idx="13"/>
+          </p:nvPr>
+        </p:nvSpPr>
+        <p:spPr/>
+      </p:sp>
+      <p:sp>
+        <p:nvSpPr>
+          <p:cNvPr id="3" name="Picture Placeholder 2">
+            <a:extLst>
+              <a:ext uri="{FF2B5EF4-FFF2-40B4-BE49-F238E27FC236}">
+                <a16:creationId xmlns:a16="http://schemas.microsoft.com/office/drawing/2014/main" id="{D3105671-6B55-4C80-953E-1C7F0325B92E}"/>
+              </a:ext>
+            </a:extLst>
+          </p:cNvPr>
+          <p:cNvSpPr>
+            <a:spLocks noGrp="1"/>
+          </p:cNvSpPr>
+          <p:nvPr>
+            <p:ph type="pic" sz="quarter" idx="14"/>
+          </p:nvPr>
+        </p:nvSpPr>
+        <p:spPr/>
+      </p:sp>
+      <p:sp>
+        <p:nvSpPr>
+          <p:cNvPr id="4" name="Title 3">
+            <a:extLst>
+              <a:ext uri="{FF2B5EF4-FFF2-40B4-BE49-F238E27FC236}">
+                <a16:creationId xmlns:a16="http://schemas.microsoft.com/office/drawing/2014/main" id="{38D3E47D-A7DB-46D4-A040-A1BA377FA895}"/>
+              </a:ext>
+            </a:extLst>
+          </p:cNvPr>
+          <p:cNvSpPr>
+            <a:spLocks noGrp="1"/>
+          </p:cNvSpPr>
+          <p:nvPr>
+            <p:ph type="title"/>
+          </p:nvPr>
+        </p:nvSpPr>
+        <p:spPr/>
+        <p:txBody>
+          <a:bodyPr/>
+          <a:lstStyle/>
+          <a:p>
+            <a:r>
+              <a:rPr lang="nl-BE" dirty="0"/>
+              <a:t>Vue @ </a:t>
+            </a:r>
+            <a:r>
+              <a:rPr lang="nl-BE" dirty="0" err="1"/>
+              <a:t>Strobbo</a:t>
+            </a:r>
+            <a:endParaRPr lang="en-GB" dirty="0"/>
+          </a:p>
+        </p:txBody>
+      </p:sp>
+      <p:sp>
+        <p:nvSpPr>
+          <p:cNvPr id="5" name="Content Placeholder 4">
+            <a:extLst>
+              <a:ext uri="{FF2B5EF4-FFF2-40B4-BE49-F238E27FC236}">
+                <a16:creationId xmlns:a16="http://schemas.microsoft.com/office/drawing/2014/main" id="{B7D10121-FC5F-42C1-B168-EFE21A403A16}"/>
+              </a:ext>
+            </a:extLst>
+          </p:cNvPr>
+          <p:cNvSpPr>
+            <a:spLocks noGrp="1"/>
+          </p:cNvSpPr>
+          <p:nvPr>
+            <p:ph idx="1"/>
+          </p:nvPr>
+        </p:nvSpPr>
+        <p:spPr/>
+        <p:txBody>
+          <a:bodyPr/>
+          <a:lstStyle/>
+          <a:p>
+            <a:pPr marL="342900" indent="-342900">
+              <a:buFont typeface="Arial" panose="020B0604020202020204" pitchFamily="34" charset="0"/>
+              <a:buChar char="•"/>
+            </a:pPr>
+            <a:r>
+              <a:rPr lang="nl-BE" dirty="0"/>
+              <a:t>Wat wordt er gebruikt?</a:t>
+            </a:r>
+          </a:p>
+          <a:p>
+            <a:pPr marL="571500" lvl="1" indent="-342900"/>
+            <a:r>
+              <a:rPr lang="nl-BE" dirty="0"/>
+              <a:t>Vue 2.x</a:t>
+            </a:r>
+          </a:p>
+          <a:p>
+            <a:pPr marL="571500" lvl="1" indent="-342900"/>
+            <a:r>
+              <a:rPr lang="nl-BE" dirty="0"/>
+              <a:t>Pre-2021: Class </a:t>
+            </a:r>
+            <a:r>
+              <a:rPr lang="nl-BE" dirty="0" err="1"/>
+              <a:t>components</a:t>
+            </a:r>
+            <a:endParaRPr lang="en-GB" dirty="0"/>
+          </a:p>
+          <a:p>
+            <a:pPr marL="571500" lvl="1" indent="-342900"/>
+            <a:r>
+              <a:rPr lang="en-GB" dirty="0" err="1"/>
+              <a:t>Sinds</a:t>
+            </a:r>
+            <a:r>
+              <a:rPr lang="en-GB" dirty="0"/>
+              <a:t> 2021: Composition API (plugin)</a:t>
+            </a:r>
+          </a:p>
+          <a:p>
+            <a:pPr marL="342900" indent="-342900">
+              <a:buFont typeface="Arial" panose="020B0604020202020204" pitchFamily="34" charset="0"/>
+              <a:buChar char="•"/>
+            </a:pPr>
+            <a:r>
+              <a:rPr lang="en-GB" dirty="0" err="1"/>
+              <a:t>Sindsdien</a:t>
+            </a:r>
+            <a:r>
+              <a:rPr lang="en-GB" dirty="0"/>
+              <a:t>:</a:t>
+            </a:r>
+          </a:p>
+          <a:p>
+            <a:pPr marL="571500" lvl="1" indent="-342900"/>
+            <a:r>
+              <a:rPr lang="en-GB" dirty="0"/>
+              <a:t>Separation of concerns</a:t>
+            </a:r>
+          </a:p>
+          <a:p>
+            <a:pPr marL="571500" lvl="1" indent="-342900"/>
+            <a:r>
+              <a:rPr lang="en-GB" dirty="0"/>
+              <a:t>&lt; Code size</a:t>
+            </a:r>
+          </a:p>
+          <a:p>
+            <a:pPr marL="571500" lvl="1" indent="-342900"/>
+            <a:r>
+              <a:rPr lang="en-GB" dirty="0"/>
+              <a:t>&gt; Readability</a:t>
+            </a:r>
+          </a:p>
+        </p:txBody>
+      </p:sp>
+      <p:sp>
+        <p:nvSpPr>
+          <p:cNvPr id="6" name="Footer Placeholder 5">
+            <a:extLst>
+              <a:ext uri="{FF2B5EF4-FFF2-40B4-BE49-F238E27FC236}">
+                <a16:creationId xmlns:a16="http://schemas.microsoft.com/office/drawing/2014/main" id="{66390C8D-C54B-4008-933A-CE306D14ABF0}"/>
+              </a:ext>
+            </a:extLst>
+          </p:cNvPr>
+          <p:cNvSpPr>
+            <a:spLocks noGrp="1"/>
+          </p:cNvSpPr>
+          <p:nvPr>
+            <p:ph type="ftr" sz="quarter" idx="11"/>
+          </p:nvPr>
+        </p:nvSpPr>
+        <p:spPr/>
+        <p:txBody>
+          <a:bodyPr/>
+          <a:lstStyle/>
+          <a:p>
+            <a:pPr lvl="0"/>
+            <a:r>
+              <a:rPr lang="en-US" noProof="0" dirty="0"/>
+              <a:t>Vue Composition API</a:t>
+            </a:r>
+          </a:p>
+        </p:txBody>
+      </p:sp>
+      <p:sp>
+        <p:nvSpPr>
+          <p:cNvPr id="7" name="Slide Number Placeholder 6">
+            <a:extLst>
+              <a:ext uri="{FF2B5EF4-FFF2-40B4-BE49-F238E27FC236}">
+                <a16:creationId xmlns:a16="http://schemas.microsoft.com/office/drawing/2014/main" id="{010370EB-9CF5-4FFF-85DF-FB1B0E524AAA}"/>
+              </a:ext>
+            </a:extLst>
+          </p:cNvPr>
+          <p:cNvSpPr>
+            <a:spLocks noGrp="1"/>
+          </p:cNvSpPr>
+          <p:nvPr>
+            <p:ph type="sldNum" sz="quarter" idx="12"/>
+          </p:nvPr>
+        </p:nvSpPr>
+        <p:spPr/>
+        <p:txBody>
+          <a:bodyPr/>
+          <a:lstStyle/>
+          <a:p>
+            <a:pPr>
+              <a:defRPr/>
+            </a:pPr>
+            <a:fld id="{D76B855D-E9CC-4FF8-AD85-6CDC7B89A0DE}" type="slidenum">
+              <a:rPr lang="en-US" smtClean="0">
+                <a:solidFill>
+                  <a:prstClr val="black">
+                    <a:tint val="75000"/>
+                  </a:prstClr>
+                </a:solidFill>
+              </a:rPr>
+              <a:pPr>
+                <a:defRPr/>
+              </a:pPr>
+              <a:t>3</a:t>
+            </a:fld>
+            <a:endParaRPr lang="en-US" dirty="0">
+              <a:solidFill>
+                <a:prstClr val="black">
+                  <a:tint val="75000"/>
+                </a:prstClr>
+              </a:solidFill>
+            </a:endParaRPr>
+          </a:p>
+        </p:txBody>
+      </p:sp>
+      <p:pic>
+        <p:nvPicPr>
+          <p:cNvPr id="2050" name="Picture 2" descr="Strobbo">
+            <a:extLst>
+              <a:ext uri="{FF2B5EF4-FFF2-40B4-BE49-F238E27FC236}">
+                <a16:creationId xmlns:a16="http://schemas.microsoft.com/office/drawing/2014/main" id="{41DA2ED4-8E9B-4FC2-9851-F3C9F9B6FBAB}"/>
+              </a:ext>
+            </a:extLst>
+          </p:cNvPr>
+          <p:cNvPicPr>
+            <a:picLocks noChangeAspect="1" noChangeArrowheads="1"/>
+          </p:cNvPicPr>
+          <p:nvPr/>
+        </p:nvPicPr>
+        <p:blipFill>
+          <a:blip r:embed="rId2">
+            <a:extLst>
+              <a:ext uri="{28A0092B-C50C-407E-A947-70E740481C1C}">
+                <a14:useLocalDpi xmlns:a14="http://schemas.microsoft.com/office/drawing/2010/main" val="0"/>
+              </a:ext>
+            </a:extLst>
+          </a:blip>
+          <a:srcRect/>
+          <a:stretch>
+            <a:fillRect/>
+          </a:stretch>
+        </p:blipFill>
+        <p:spPr bwMode="auto">
+          <a:xfrm>
+            <a:off x="7714023" y="2775331"/>
+            <a:ext cx="3792198" cy="728282"/>
+          </a:xfrm>
+          <a:prstGeom prst="rect">
+            <a:avLst/>
+          </a:prstGeom>
+          <a:noFill/>
+          <a:extLst>
+            <a:ext uri="{909E8E84-426E-40DD-AFC4-6F175D3DCCD1}">
+              <a14:hiddenFill xmlns:a14="http://schemas.microsoft.com/office/drawing/2010/main">
+                <a:solidFill>
+                  <a:srgbClr val="FFFFFF"/>
+                </a:solidFill>
+              </a14:hiddenFill>
+            </a:ext>
+          </a:extLst>
+        </p:spPr>
+      </p:pic>
+    </p:spTree>
+    <p:extLst>
+      <p:ext uri="{BB962C8B-B14F-4D97-AF65-F5344CB8AC3E}">
+        <p14:creationId xmlns:p14="http://schemas.microsoft.com/office/powerpoint/2010/main" val="362948781"/>
+      </p:ext>
+    </p:extLst>
+  </p:cSld>
+  <p:clrMapOvr>
+    <a:masterClrMapping/>
+  </p:clrMapOvr>
+</p:sld>
+</file>
+
+<file path=ppt/slides/slide4.xml><?xml version="1.0" encoding="utf-8"?>
 <p:sld xmlns:a="http://schemas.openxmlformats.org/drawingml/2006/main" xmlns:r="http://schemas.openxmlformats.org/officeDocument/2006/relationships" xmlns:p="http://schemas.openxmlformats.org/presentationml/2006/main">
   <p:cSld>
     <p:spTree>
@@ -16717,7 +18121,7 @@
 </p:sld>
 </file>
 
-<file path=ppt/slides/slide4.xml><?xml version="1.0" encoding="utf-8"?>
+<file path=ppt/slides/slide5.xml><?xml version="1.0" encoding="utf-8"?>
 <p:sld xmlns:a="http://schemas.openxmlformats.org/drawingml/2006/main" xmlns:r="http://schemas.openxmlformats.org/officeDocument/2006/relationships" xmlns:p="http://schemas.openxmlformats.org/presentationml/2006/main">
   <p:cSld>
     <p:spTree>
@@ -16969,7 +18373,7 @@
             <a:fld id="{D76B855D-E9CC-4FF8-AD85-6CDC7B89A0DE}" type="slidenum">
               <a:rPr lang="en-US" noProof="0" smtClean="0"/>
               <a:pPr lvl="0"/>
-              <a:t>4</a:t>
+              <a:t>5</a:t>
             </a:fld>
             <a:endParaRPr lang="en-US" noProof="0" dirty="0"/>
           </a:p>
@@ -17282,7 +18686,7 @@
 </p:sld>
 </file>
 
-<file path=ppt/slides/slide5.xml><?xml version="1.0" encoding="utf-8"?>
+<file path=ppt/slides/slide6.xml><?xml version="1.0" encoding="utf-8"?>
 <p:sld xmlns:a="http://schemas.openxmlformats.org/drawingml/2006/main" xmlns:r="http://schemas.openxmlformats.org/officeDocument/2006/relationships" xmlns:p="http://schemas.openxmlformats.org/presentationml/2006/main">
   <p:cSld>
     <p:spTree>
@@ -17522,7 +18926,7 @@
             <a:fld id="{D76B855D-E9CC-4FF8-AD85-6CDC7B89A0DE}" type="slidenum">
               <a:rPr lang="en-US" noProof="0" smtClean="0"/>
               <a:pPr lvl="0"/>
-              <a:t>5</a:t>
+              <a:t>6</a:t>
             </a:fld>
             <a:endParaRPr lang="en-US" noProof="0" dirty="0"/>
           </a:p>
@@ -18257,7 +19661,7 @@
 </p:sld>
 </file>
 
-<file path=ppt/slides/slide6.xml><?xml version="1.0" encoding="utf-8"?>
+<file path=ppt/slides/slide7.xml><?xml version="1.0" encoding="utf-8"?>
 <p:sld xmlns:a="http://schemas.openxmlformats.org/drawingml/2006/main" xmlns:r="http://schemas.openxmlformats.org/officeDocument/2006/relationships" xmlns:p="http://schemas.openxmlformats.org/presentationml/2006/main">
   <p:cSld>
     <p:spTree>
@@ -18439,7 +19843,7 @@
               <a:pPr>
                 <a:defRPr/>
               </a:pPr>
-              <a:t>6</a:t>
+              <a:t>7</a:t>
             </a:fld>
             <a:endParaRPr lang="en-US" dirty="0">
               <a:solidFill>
@@ -19048,7 +20452,7 @@
 </p:sld>
 </file>
 
-<file path=ppt/slides/slide7.xml><?xml version="1.0" encoding="utf-8"?>
+<file path=ppt/slides/slide8.xml><?xml version="1.0" encoding="utf-8"?>
 <p:sld xmlns:a="http://schemas.openxmlformats.org/drawingml/2006/main" xmlns:r="http://schemas.openxmlformats.org/officeDocument/2006/relationships" xmlns:p="http://schemas.openxmlformats.org/presentationml/2006/main">
   <p:cSld>
     <p:spTree>
@@ -19258,7 +20662,7 @@
             <a:fld id="{D76B855D-E9CC-4FF8-AD85-6CDC7B89A0DE}" type="slidenum">
               <a:rPr lang="en-US" noProof="0" smtClean="0"/>
               <a:pPr lvl="0"/>
-              <a:t>7</a:t>
+              <a:t>8</a:t>
             </a:fld>
             <a:endParaRPr lang="en-US" noProof="0" dirty="0"/>
           </a:p>
@@ -19774,566 +21178,6 @@
 </p:sld>
 </file>
 
-<file path=ppt/slides/slide8.xml><?xml version="1.0" encoding="utf-8"?>
-<p:sld xmlns:a="http://schemas.openxmlformats.org/drawingml/2006/main" xmlns:r="http://schemas.openxmlformats.org/officeDocument/2006/relationships" xmlns:p="http://schemas.openxmlformats.org/presentationml/2006/main">
-  <p:cSld>
-    <p:spTree>
-      <p:nvGrpSpPr>
-        <p:cNvPr id="1" name=""/>
-        <p:cNvGrpSpPr/>
-        <p:nvPr/>
-      </p:nvGrpSpPr>
-      <p:grpSpPr>
-        <a:xfrm>
-          <a:off x="0" y="0"/>
-          <a:ext cx="0" cy="0"/>
-          <a:chOff x="0" y="0"/>
-          <a:chExt cx="0" cy="0"/>
-        </a:xfrm>
-      </p:grpSpPr>
-      <p:sp>
-        <p:nvSpPr>
-          <p:cNvPr id="2" name="Title 1">
-            <a:extLst>
-              <a:ext uri="{FF2B5EF4-FFF2-40B4-BE49-F238E27FC236}">
-                <a16:creationId xmlns:a16="http://schemas.microsoft.com/office/drawing/2014/main" id="{956FCFFB-1851-4F2D-98A4-BE65090F2668}"/>
-              </a:ext>
-            </a:extLst>
-          </p:cNvPr>
-          <p:cNvSpPr>
-            <a:spLocks noGrp="1"/>
-          </p:cNvSpPr>
-          <p:nvPr>
-            <p:ph type="title"/>
-          </p:nvPr>
-        </p:nvSpPr>
-        <p:spPr/>
-        <p:txBody>
-          <a:bodyPr/>
-          <a:lstStyle/>
-          <a:p>
-            <a:r>
-              <a:rPr lang="nl-BE" dirty="0"/>
-              <a:t>Enter… </a:t>
-            </a:r>
-            <a:r>
-              <a:rPr lang="nl-BE" dirty="0" err="1"/>
-              <a:t>React</a:t>
-            </a:r>
-            <a:r>
-              <a:rPr lang="nl-BE" dirty="0"/>
-              <a:t> </a:t>
-            </a:r>
-            <a:r>
-              <a:rPr lang="nl-BE" dirty="0" err="1"/>
-              <a:t>Hooks</a:t>
-            </a:r>
-            <a:endParaRPr lang="en-GB" dirty="0"/>
-          </a:p>
-        </p:txBody>
-      </p:sp>
-      <p:sp>
-        <p:nvSpPr>
-          <p:cNvPr id="4" name="Footer Placeholder 3">
-            <a:extLst>
-              <a:ext uri="{FF2B5EF4-FFF2-40B4-BE49-F238E27FC236}">
-                <a16:creationId xmlns:a16="http://schemas.microsoft.com/office/drawing/2014/main" id="{862C4581-60C8-46E2-844D-124AE4D52FEA}"/>
-              </a:ext>
-            </a:extLst>
-          </p:cNvPr>
-          <p:cNvSpPr>
-            <a:spLocks noGrp="1"/>
-          </p:cNvSpPr>
-          <p:nvPr>
-            <p:ph type="ftr" sz="quarter" idx="11"/>
-          </p:nvPr>
-        </p:nvSpPr>
-        <p:spPr/>
-        <p:txBody>
-          <a:bodyPr/>
-          <a:lstStyle/>
-          <a:p>
-            <a:pPr>
-              <a:defRPr/>
-            </a:pPr>
-            <a:r>
-              <a:rPr lang="en-US" dirty="0">
-                <a:solidFill>
-                  <a:prstClr val="black">
-                    <a:tint val="75000"/>
-                  </a:prstClr>
-                </a:solidFill>
-              </a:rPr>
-              <a:t>Vue Composition API</a:t>
-            </a:r>
-          </a:p>
-        </p:txBody>
-      </p:sp>
-      <p:sp>
-        <p:nvSpPr>
-          <p:cNvPr id="5" name="Slide Number Placeholder 4">
-            <a:extLst>
-              <a:ext uri="{FF2B5EF4-FFF2-40B4-BE49-F238E27FC236}">
-                <a16:creationId xmlns:a16="http://schemas.microsoft.com/office/drawing/2014/main" id="{695B7F63-F3CE-4412-A761-5EDC549A3045}"/>
-              </a:ext>
-            </a:extLst>
-          </p:cNvPr>
-          <p:cNvSpPr>
-            <a:spLocks noGrp="1"/>
-          </p:cNvSpPr>
-          <p:nvPr>
-            <p:ph type="sldNum" sz="quarter" idx="12"/>
-          </p:nvPr>
-        </p:nvSpPr>
-        <p:spPr/>
-        <p:txBody>
-          <a:bodyPr/>
-          <a:lstStyle/>
-          <a:p>
-            <a:pPr>
-              <a:defRPr/>
-            </a:pPr>
-            <a:fld id="{D76B855D-E9CC-4FF8-AD85-6CDC7B89A0DE}" type="slidenum">
-              <a:rPr lang="en-US" smtClean="0">
-                <a:solidFill>
-                  <a:prstClr val="black">
-                    <a:tint val="75000"/>
-                  </a:prstClr>
-                </a:solidFill>
-              </a:rPr>
-              <a:pPr>
-                <a:defRPr/>
-              </a:pPr>
-              <a:t>8</a:t>
-            </a:fld>
-            <a:endParaRPr lang="en-US" dirty="0">
-              <a:solidFill>
-                <a:prstClr val="black">
-                  <a:tint val="75000"/>
-                </a:prstClr>
-              </a:solidFill>
-            </a:endParaRPr>
-          </a:p>
-        </p:txBody>
-      </p:sp>
-      <p:pic>
-        <p:nvPicPr>
-          <p:cNvPr id="1028" name="Picture 4" descr="React Hooks Tutorial: How to Use Hooks in React.js App">
-            <a:extLst>
-              <a:ext uri="{FF2B5EF4-FFF2-40B4-BE49-F238E27FC236}">
-                <a16:creationId xmlns:a16="http://schemas.microsoft.com/office/drawing/2014/main" id="{8752DC79-EDFF-40F9-BED4-671D18C2DD06}"/>
-              </a:ext>
-            </a:extLst>
-          </p:cNvPr>
-          <p:cNvPicPr>
-            <a:picLocks noChangeAspect="1" noChangeArrowheads="1"/>
-          </p:cNvPicPr>
-          <p:nvPr/>
-        </p:nvPicPr>
-        <p:blipFill>
-          <a:blip r:embed="rId2">
-            <a:extLst>
-              <a:ext uri="{28A0092B-C50C-407E-A947-70E740481C1C}">
-                <a14:useLocalDpi xmlns:a14="http://schemas.microsoft.com/office/drawing/2010/main" val="0"/>
-              </a:ext>
-            </a:extLst>
-          </a:blip>
-          <a:srcRect/>
-          <a:stretch>
-            <a:fillRect/>
-          </a:stretch>
-        </p:blipFill>
-        <p:spPr bwMode="auto">
-          <a:xfrm rot="21396605">
-            <a:off x="5100688" y="1529831"/>
-            <a:ext cx="6666338" cy="3697734"/>
-          </a:xfrm>
-          <a:prstGeom prst="rect">
-            <a:avLst/>
-          </a:prstGeom>
-          <a:solidFill>
-            <a:srgbClr val="FFFFFF">
-              <a:shade val="85000"/>
-            </a:srgbClr>
-          </a:solidFill>
-          <a:ln w="190500" cap="sq">
-            <a:solidFill>
-              <a:srgbClr val="FFFFFF"/>
-            </a:solidFill>
-            <a:miter lim="800000"/>
-          </a:ln>
-          <a:effectLst>
-            <a:outerShdw blurRad="55000" dist="18000" dir="5400000" algn="tl" rotWithShape="0">
-              <a:srgbClr val="000000">
-                <a:alpha val="40000"/>
-              </a:srgbClr>
-            </a:outerShdw>
-          </a:effectLst>
-          <a:scene3d>
-            <a:camera prst="orthographicFront"/>
-            <a:lightRig rig="twoPt" dir="t">
-              <a:rot lat="0" lon="0" rev="7200000"/>
-            </a:lightRig>
-          </a:scene3d>
-          <a:sp3d>
-            <a:bevelT w="25400" h="19050"/>
-            <a:contourClr>
-              <a:srgbClr val="FFFFFF"/>
-            </a:contourClr>
-          </a:sp3d>
-        </p:spPr>
-      </p:pic>
-      <p:pic>
-        <p:nvPicPr>
-          <p:cNvPr id="15" name="Picture 14" descr="A person wearing glasses&#10;&#10;Description automatically generated with low confidence">
-            <a:extLst>
-              <a:ext uri="{FF2B5EF4-FFF2-40B4-BE49-F238E27FC236}">
-                <a16:creationId xmlns:a16="http://schemas.microsoft.com/office/drawing/2014/main" id="{80CA7DF9-B2ED-44E0-B099-B61B2C7369C7}"/>
-              </a:ext>
-            </a:extLst>
-          </p:cNvPr>
-          <p:cNvPicPr>
-            <a:picLocks noChangeAspect="1"/>
-          </p:cNvPicPr>
-          <p:nvPr/>
-        </p:nvPicPr>
-        <p:blipFill>
-          <a:blip r:embed="rId3"/>
-          <a:stretch>
-            <a:fillRect/>
-          </a:stretch>
-        </p:blipFill>
-        <p:spPr>
-          <a:xfrm>
-            <a:off x="234817" y="2002054"/>
-            <a:ext cx="6088959" cy="4855945"/>
-          </a:xfrm>
-          <a:prstGeom prst="rect">
-            <a:avLst/>
-          </a:prstGeom>
-        </p:spPr>
-      </p:pic>
-      <p:pic>
-        <p:nvPicPr>
-          <p:cNvPr id="17" name="Picture 16" descr="Shape&#10;&#10;Description automatically generated with low confidence">
-            <a:extLst>
-              <a:ext uri="{FF2B5EF4-FFF2-40B4-BE49-F238E27FC236}">
-                <a16:creationId xmlns:a16="http://schemas.microsoft.com/office/drawing/2014/main" id="{C11B473B-2F05-4272-A426-0E0B54F2A6F7}"/>
-              </a:ext>
-            </a:extLst>
-          </p:cNvPr>
-          <p:cNvPicPr>
-            <a:picLocks noChangeAspect="1"/>
-          </p:cNvPicPr>
-          <p:nvPr/>
-        </p:nvPicPr>
-        <p:blipFill>
-          <a:blip r:embed="rId4"/>
-          <a:stretch>
-            <a:fillRect/>
-          </a:stretch>
-        </p:blipFill>
-        <p:spPr>
-          <a:xfrm>
-            <a:off x="727909" y="1335973"/>
-            <a:ext cx="1801350" cy="1436577"/>
-          </a:xfrm>
-          <a:prstGeom prst="rect">
-            <a:avLst/>
-          </a:prstGeom>
-        </p:spPr>
-      </p:pic>
-    </p:spTree>
-    <p:extLst>
-      <p:ext uri="{BB962C8B-B14F-4D97-AF65-F5344CB8AC3E}">
-        <p14:creationId xmlns:p14="http://schemas.microsoft.com/office/powerpoint/2010/main" val="2534301709"/>
-      </p:ext>
-    </p:extLst>
-  </p:cSld>
-  <p:clrMapOvr>
-    <a:masterClrMapping/>
-  </p:clrMapOvr>
-  <p:timing>
-    <p:tnLst>
-      <p:par>
-        <p:cTn id="1" dur="indefinite" restart="never" nodeType="tmRoot">
-          <p:childTnLst>
-            <p:seq concurrent="1" nextAc="seek">
-              <p:cTn id="2" dur="indefinite" nodeType="mainSeq">
-                <p:childTnLst>
-                  <p:par>
-                    <p:cTn id="3" fill="hold">
-                      <p:stCondLst>
-                        <p:cond delay="indefinite"/>
-                      </p:stCondLst>
-                      <p:childTnLst>
-                        <p:par>
-                          <p:cTn id="4" fill="hold">
-                            <p:stCondLst>
-                              <p:cond delay="0"/>
-                            </p:stCondLst>
-                            <p:childTnLst>
-                              <p:par>
-                                <p:cTn id="5" presetID="37" presetClass="entr" presetSubtype="0" fill="hold" nodeType="clickEffect">
-                                  <p:stCondLst>
-                                    <p:cond delay="0"/>
-                                  </p:stCondLst>
-                                  <p:childTnLst>
-                                    <p:set>
-                                      <p:cBhvr>
-                                        <p:cTn id="6" dur="1" fill="hold">
-                                          <p:stCondLst>
-                                            <p:cond delay="0"/>
-                                          </p:stCondLst>
-                                        </p:cTn>
-                                        <p:tgtEl>
-                                          <p:spTgt spid="15"/>
-                                        </p:tgtEl>
-                                        <p:attrNameLst>
-                                          <p:attrName>style.visibility</p:attrName>
-                                        </p:attrNameLst>
-                                      </p:cBhvr>
-                                      <p:to>
-                                        <p:strVal val="visible"/>
-                                      </p:to>
-                                    </p:set>
-                                    <p:animEffect transition="in" filter="fade">
-                                      <p:cBhvr>
-                                        <p:cTn id="7" dur="1000"/>
-                                        <p:tgtEl>
-                                          <p:spTgt spid="15"/>
-                                        </p:tgtEl>
-                                      </p:cBhvr>
-                                    </p:animEffect>
-                                    <p:anim calcmode="lin" valueType="num">
-                                      <p:cBhvr>
-                                        <p:cTn id="8" dur="1000" fill="hold"/>
-                                        <p:tgtEl>
-                                          <p:spTgt spid="15"/>
-                                        </p:tgtEl>
-                                        <p:attrNameLst>
-                                          <p:attrName>ppt_x</p:attrName>
-                                        </p:attrNameLst>
-                                      </p:cBhvr>
-                                      <p:tavLst>
-                                        <p:tav tm="0">
-                                          <p:val>
-                                            <p:strVal val="#ppt_x"/>
-                                          </p:val>
-                                        </p:tav>
-                                        <p:tav tm="100000">
-                                          <p:val>
-                                            <p:strVal val="#ppt_x"/>
-                                          </p:val>
-                                        </p:tav>
-                                      </p:tavLst>
-                                    </p:anim>
-                                    <p:anim calcmode="lin" valueType="num">
-                                      <p:cBhvr>
-                                        <p:cTn id="9" dur="900" decel="100000" fill="hold"/>
-                                        <p:tgtEl>
-                                          <p:spTgt spid="15"/>
-                                        </p:tgtEl>
-                                        <p:attrNameLst>
-                                          <p:attrName>ppt_y</p:attrName>
-                                        </p:attrNameLst>
-                                      </p:cBhvr>
-                                      <p:tavLst>
-                                        <p:tav tm="0">
-                                          <p:val>
-                                            <p:strVal val="#ppt_y+1"/>
-                                          </p:val>
-                                        </p:tav>
-                                        <p:tav tm="100000">
-                                          <p:val>
-                                            <p:strVal val="#ppt_y-.03"/>
-                                          </p:val>
-                                        </p:tav>
-                                      </p:tavLst>
-                                    </p:anim>
-                                    <p:anim calcmode="lin" valueType="num">
-                                      <p:cBhvr>
-                                        <p:cTn id="10" dur="100" accel="100000" fill="hold">
-                                          <p:stCondLst>
-                                            <p:cond delay="900"/>
-                                          </p:stCondLst>
-                                        </p:cTn>
-                                        <p:tgtEl>
-                                          <p:spTgt spid="15"/>
-                                        </p:tgtEl>
-                                        <p:attrNameLst>
-                                          <p:attrName>ppt_y</p:attrName>
-                                        </p:attrNameLst>
-                                      </p:cBhvr>
-                                      <p:tavLst>
-                                        <p:tav tm="0">
-                                          <p:val>
-                                            <p:strVal val="#ppt_y-.03"/>
-                                          </p:val>
-                                        </p:tav>
-                                        <p:tav tm="100000">
-                                          <p:val>
-                                            <p:strVal val="#ppt_y"/>
-                                          </p:val>
-                                        </p:tav>
-                                      </p:tavLst>
-                                    </p:anim>
-                                  </p:childTnLst>
-                                </p:cTn>
-                              </p:par>
-                            </p:childTnLst>
-                          </p:cTn>
-                        </p:par>
-                      </p:childTnLst>
-                    </p:cTn>
-                  </p:par>
-                  <p:par>
-                    <p:cTn id="11" fill="hold">
-                      <p:stCondLst>
-                        <p:cond delay="indefinite"/>
-                      </p:stCondLst>
-                      <p:childTnLst>
-                        <p:par>
-                          <p:cTn id="12" fill="hold">
-                            <p:stCondLst>
-                              <p:cond delay="0"/>
-                            </p:stCondLst>
-                            <p:childTnLst>
-                              <p:par>
-                                <p:cTn id="13" presetID="31" presetClass="entr" presetSubtype="0" fill="hold" nodeType="clickEffect">
-                                  <p:stCondLst>
-                                    <p:cond delay="0"/>
-                                  </p:stCondLst>
-                                  <p:childTnLst>
-                                    <p:set>
-                                      <p:cBhvr>
-                                        <p:cTn id="14" dur="1" fill="hold">
-                                          <p:stCondLst>
-                                            <p:cond delay="0"/>
-                                          </p:stCondLst>
-                                        </p:cTn>
-                                        <p:tgtEl>
-                                          <p:spTgt spid="17"/>
-                                        </p:tgtEl>
-                                        <p:attrNameLst>
-                                          <p:attrName>style.visibility</p:attrName>
-                                        </p:attrNameLst>
-                                      </p:cBhvr>
-                                      <p:to>
-                                        <p:strVal val="visible"/>
-                                      </p:to>
-                                    </p:set>
-                                    <p:anim calcmode="lin" valueType="num">
-                                      <p:cBhvr>
-                                        <p:cTn id="15" dur="1000" fill="hold"/>
-                                        <p:tgtEl>
-                                          <p:spTgt spid="17"/>
-                                        </p:tgtEl>
-                                        <p:attrNameLst>
-                                          <p:attrName>ppt_w</p:attrName>
-                                        </p:attrNameLst>
-                                      </p:cBhvr>
-                                      <p:tavLst>
-                                        <p:tav tm="0">
-                                          <p:val>
-                                            <p:fltVal val="0"/>
-                                          </p:val>
-                                        </p:tav>
-                                        <p:tav tm="100000">
-                                          <p:val>
-                                            <p:strVal val="#ppt_w"/>
-                                          </p:val>
-                                        </p:tav>
-                                      </p:tavLst>
-                                    </p:anim>
-                                    <p:anim calcmode="lin" valueType="num">
-                                      <p:cBhvr>
-                                        <p:cTn id="16" dur="1000" fill="hold"/>
-                                        <p:tgtEl>
-                                          <p:spTgt spid="17"/>
-                                        </p:tgtEl>
-                                        <p:attrNameLst>
-                                          <p:attrName>ppt_h</p:attrName>
-                                        </p:attrNameLst>
-                                      </p:cBhvr>
-                                      <p:tavLst>
-                                        <p:tav tm="0">
-                                          <p:val>
-                                            <p:fltVal val="0"/>
-                                          </p:val>
-                                        </p:tav>
-                                        <p:tav tm="100000">
-                                          <p:val>
-                                            <p:strVal val="#ppt_h"/>
-                                          </p:val>
-                                        </p:tav>
-                                      </p:tavLst>
-                                    </p:anim>
-                                    <p:anim calcmode="lin" valueType="num">
-                                      <p:cBhvr>
-                                        <p:cTn id="17" dur="1000" fill="hold"/>
-                                        <p:tgtEl>
-                                          <p:spTgt spid="17"/>
-                                        </p:tgtEl>
-                                        <p:attrNameLst>
-                                          <p:attrName>style.rotation</p:attrName>
-                                        </p:attrNameLst>
-                                      </p:cBhvr>
-                                      <p:tavLst>
-                                        <p:tav tm="0">
-                                          <p:val>
-                                            <p:fltVal val="90"/>
-                                          </p:val>
-                                        </p:tav>
-                                        <p:tav tm="100000">
-                                          <p:val>
-                                            <p:fltVal val="0"/>
-                                          </p:val>
-                                        </p:tav>
-                                      </p:tavLst>
-                                    </p:anim>
-                                    <p:animEffect transition="in" filter="fade">
-                                      <p:cBhvr>
-                                        <p:cTn id="18" dur="1000"/>
-                                        <p:tgtEl>
-                                          <p:spTgt spid="17"/>
-                                        </p:tgtEl>
-                                      </p:cBhvr>
-                                    </p:animEffect>
-                                  </p:childTnLst>
-                                </p:cTn>
-                              </p:par>
-                            </p:childTnLst>
-                          </p:cTn>
-                        </p:par>
-                      </p:childTnLst>
-                    </p:cTn>
-                  </p:par>
-                </p:childTnLst>
-              </p:cTn>
-              <p:prevCondLst>
-                <p:cond evt="onPrev" delay="0">
-                  <p:tgtEl>
-                    <p:sldTgt/>
-                  </p:tgtEl>
-                </p:cond>
-              </p:prevCondLst>
-              <p:nextCondLst>
-                <p:cond evt="onNext" delay="0">
-                  <p:tgtEl>
-                    <p:sldTgt/>
-                  </p:tgtEl>
-                </p:cond>
-              </p:nextCondLst>
-            </p:seq>
-          </p:childTnLst>
-        </p:cTn>
-      </p:par>
-    </p:tnLst>
-  </p:timing>
-</p:sld>
-</file>
-
 <file path=ppt/slides/slide9.xml><?xml version="1.0" encoding="utf-8"?>
 <p:sld xmlns:a="http://schemas.openxmlformats.org/drawingml/2006/main" xmlns:r="http://schemas.openxmlformats.org/officeDocument/2006/relationships" xmlns:p="http://schemas.openxmlformats.org/presentationml/2006/main">
   <p:cSld>
@@ -20356,7 +21200,7 @@
           <p:cNvPr id="2" name="Title 1">
             <a:extLst>
               <a:ext uri="{FF2B5EF4-FFF2-40B4-BE49-F238E27FC236}">
-                <a16:creationId xmlns:a16="http://schemas.microsoft.com/office/drawing/2014/main" id="{1D46624E-1256-4074-A302-8EFDA23D77BF}"/>
+                <a16:creationId xmlns:a16="http://schemas.microsoft.com/office/drawing/2014/main" id="{956FCFFB-1851-4F2D-98A4-BE65090F2668}"/>
               </a:ext>
             </a:extLst>
           </p:cNvPr>
@@ -20373,83 +21217,27 @@
           <a:lstStyle/>
           <a:p>
             <a:r>
-              <a:rPr lang="en-US" dirty="0"/>
-              <a:t>Composition API</a:t>
-            </a:r>
+              <a:rPr lang="nl-BE" dirty="0" err="1"/>
+              <a:t>Mixins</a:t>
+            </a:r>
+            <a:r>
+              <a:rPr lang="nl-BE" dirty="0"/>
+              <a:t>: </a:t>
+            </a:r>
+            <a:r>
+              <a:rPr lang="nl-BE" dirty="0" err="1"/>
+              <a:t>Conflicts</a:t>
+            </a:r>
+            <a:endParaRPr lang="en-GB" dirty="0"/>
           </a:p>
         </p:txBody>
       </p:sp>
       <p:sp>
         <p:nvSpPr>
-          <p:cNvPr id="3" name="Text Placeholder 2">
-            <a:extLst>
-              <a:ext uri="{FF2B5EF4-FFF2-40B4-BE49-F238E27FC236}">
-                <a16:creationId xmlns:a16="http://schemas.microsoft.com/office/drawing/2014/main" id="{33E8A40A-0195-4B3A-81F2-8B76B68F974F}"/>
-              </a:ext>
-            </a:extLst>
-          </p:cNvPr>
-          <p:cNvSpPr>
-            <a:spLocks noGrp="1"/>
-          </p:cNvSpPr>
-          <p:nvPr>
-            <p:ph type="body" idx="1"/>
-          </p:nvPr>
-        </p:nvSpPr>
-        <p:spPr/>
-        <p:txBody>
-          <a:bodyPr/>
-          <a:lstStyle/>
-          <a:p>
-            <a:r>
-              <a:rPr lang="en-US" dirty="0"/>
-              <a:t>Wat lost het op?</a:t>
-            </a:r>
-          </a:p>
-        </p:txBody>
-      </p:sp>
-      <p:sp>
-        <p:nvSpPr>
-          <p:cNvPr id="4" name="Content Placeholder 3">
-            <a:extLst>
-              <a:ext uri="{FF2B5EF4-FFF2-40B4-BE49-F238E27FC236}">
-                <a16:creationId xmlns:a16="http://schemas.microsoft.com/office/drawing/2014/main" id="{A84DACD0-2773-4975-A2FE-3BD5764E1F61}"/>
-              </a:ext>
-            </a:extLst>
-          </p:cNvPr>
-          <p:cNvSpPr>
-            <a:spLocks noGrp="1"/>
-          </p:cNvSpPr>
-          <p:nvPr>
-            <p:ph sz="half" idx="2"/>
-          </p:nvPr>
-        </p:nvSpPr>
-        <p:spPr/>
-        <p:txBody>
-          <a:bodyPr/>
-          <a:lstStyle/>
-          <a:p>
-            <a:r>
-              <a:rPr lang="en-US" dirty="0"/>
-              <a:t>Reusability</a:t>
-            </a:r>
-          </a:p>
-          <a:p>
-            <a:r>
-              <a:rPr lang="en-US" dirty="0"/>
-              <a:t>Separation of concerns</a:t>
-            </a:r>
-          </a:p>
-          <a:p>
-            <a:endParaRPr lang="en-US" dirty="0"/>
-          </a:p>
-        </p:txBody>
-      </p:sp>
-      <p:sp>
-        <p:nvSpPr>
-          <p:cNvPr id="19" name="Footer Placeholder 18">
-            <a:extLst>
-              <a:ext uri="{FF2B5EF4-FFF2-40B4-BE49-F238E27FC236}">
-                <a16:creationId xmlns:a16="http://schemas.microsoft.com/office/drawing/2014/main" id="{A86EFF1E-AB9A-40FE-A0CF-794B56E5276A}"/>
+          <p:cNvPr id="4" name="Footer Placeholder 3">
+            <a:extLst>
+              <a:ext uri="{FF2B5EF4-FFF2-40B4-BE49-F238E27FC236}">
+                <a16:creationId xmlns:a16="http://schemas.microsoft.com/office/drawing/2014/main" id="{862C4581-60C8-46E2-844D-124AE4D52FEA}"/>
               </a:ext>
             </a:extLst>
           </p:cNvPr>
@@ -20465,9 +21253,17 @@
           <a:bodyPr/>
           <a:lstStyle/>
           <a:p>
-            <a:pPr lvl="0"/>
-            <a:r>
-              <a:rPr lang="en-US" noProof="0" dirty="0"/>
+            <a:pPr>
+              <a:defRPr/>
+            </a:pPr>
+            <a:r>
+              <a:rPr lang="en-US" dirty="0">
+                <a:solidFill>
+                  <a:prstClr val="black">
+                    <a:tint val="75000"/>
+                  </a:prstClr>
+                </a:solidFill>
+              </a:rPr>
               <a:t>Vue Composition API</a:t>
             </a:r>
           </a:p>
@@ -20475,10 +21271,10 @@
       </p:sp>
       <p:sp>
         <p:nvSpPr>
-          <p:cNvPr id="20" name="Slide Number Placeholder 19">
-            <a:extLst>
-              <a:ext uri="{FF2B5EF4-FFF2-40B4-BE49-F238E27FC236}">
-                <a16:creationId xmlns:a16="http://schemas.microsoft.com/office/drawing/2014/main" id="{013C53F7-A9FD-4503-9396-7A3FE9D0C699}"/>
+          <p:cNvPr id="5" name="Slide Number Placeholder 4">
+            <a:extLst>
+              <a:ext uri="{FF2B5EF4-FFF2-40B4-BE49-F238E27FC236}">
+                <a16:creationId xmlns:a16="http://schemas.microsoft.com/office/drawing/2014/main" id="{695B7F63-F3CE-4412-A761-5EDC549A3045}"/>
               </a:ext>
             </a:extLst>
           </p:cNvPr>
@@ -20494,47 +21290,38 @@
           <a:bodyPr/>
           <a:lstStyle/>
           <a:p>
-            <a:pPr lvl="0"/>
+            <a:pPr>
+              <a:defRPr/>
+            </a:pPr>
             <a:fld id="{D76B855D-E9CC-4FF8-AD85-6CDC7B89A0DE}" type="slidenum">
-              <a:rPr lang="en-US" noProof="0" smtClean="0"/>
-              <a:pPr lvl="0"/>
+              <a:rPr lang="en-US" smtClean="0">
+                <a:solidFill>
+                  <a:prstClr val="black">
+                    <a:tint val="75000"/>
+                  </a:prstClr>
+                </a:solidFill>
+              </a:rPr>
+              <a:pPr>
+                <a:defRPr/>
+              </a:pPr>
               <a:t>9</a:t>
             </a:fld>
-            <a:endParaRPr lang="en-US" noProof="0" dirty="0"/>
-          </a:p>
-        </p:txBody>
-      </p:sp>
-      <p:sp>
-        <p:nvSpPr>
-          <p:cNvPr id="8" name="Text Placeholder 7">
-            <a:extLst>
-              <a:ext uri="{FF2B5EF4-FFF2-40B4-BE49-F238E27FC236}">
-                <a16:creationId xmlns:a16="http://schemas.microsoft.com/office/drawing/2014/main" id="{AB145C87-5DB5-42BF-9B41-4F6B475C0C4C}"/>
-              </a:ext>
-            </a:extLst>
-          </p:cNvPr>
-          <p:cNvSpPr>
-            <a:spLocks noGrp="1"/>
-          </p:cNvSpPr>
-          <p:nvPr>
-            <p:ph type="body" sz="quarter" idx="3"/>
-          </p:nvPr>
-        </p:nvSpPr>
-        <p:spPr/>
-        <p:txBody>
-          <a:bodyPr/>
-          <a:lstStyle/>
-          <a:p>
-            <a:endParaRPr lang="en-GB"/>
+            <a:endParaRPr lang="en-US" dirty="0">
+              <a:solidFill>
+                <a:prstClr val="black">
+                  <a:tint val="75000"/>
+                </a:prstClr>
+              </a:solidFill>
+            </a:endParaRPr>
           </a:p>
         </p:txBody>
       </p:sp>
       <p:pic>
         <p:nvPicPr>
-          <p:cNvPr id="6" name="Picture 5" descr="A person wearing glasses&#10;&#10;Description automatically generated with low confidence">
-            <a:extLst>
-              <a:ext uri="{FF2B5EF4-FFF2-40B4-BE49-F238E27FC236}">
-                <a16:creationId xmlns:a16="http://schemas.microsoft.com/office/drawing/2014/main" id="{2BDB29D8-23CB-42C2-97CE-39855A91CD7C}"/>
+          <p:cNvPr id="9" name="Picture 8" descr="Graphical user interface, text, application&#10;&#10;Description automatically generated">
+            <a:extLst>
+              <a:ext uri="{FF2B5EF4-FFF2-40B4-BE49-F238E27FC236}">
+                <a16:creationId xmlns:a16="http://schemas.microsoft.com/office/drawing/2014/main" id="{51171655-B611-477E-9ED0-07F02285A033}"/>
               </a:ext>
             </a:extLst>
           </p:cNvPr>
@@ -20543,16 +21330,102 @@
           </p:cNvPicPr>
           <p:nvPr/>
         </p:nvPicPr>
-        <p:blipFill>
+        <p:blipFill rotWithShape="1">
           <a:blip r:embed="rId2"/>
-          <a:stretch>
-            <a:fillRect/>
-          </a:stretch>
+          <a:srcRect l="750" t="2024" r="4085" b="4918"/>
+          <a:stretch/>
         </p:blipFill>
         <p:spPr>
           <a:xfrm>
-            <a:off x="7372952" y="1264714"/>
-            <a:ext cx="3594431" cy="5593285"/>
+            <a:off x="5120640" y="1855237"/>
+            <a:ext cx="5112328" cy="1604356"/>
+          </a:xfrm>
+          <a:prstGeom prst="rect">
+            <a:avLst/>
+          </a:prstGeom>
+        </p:spPr>
+      </p:pic>
+      <p:pic>
+        <p:nvPicPr>
+          <p:cNvPr id="12" name="Picture 11" descr="Graphical user interface, text&#10;&#10;Description automatically generated">
+            <a:extLst>
+              <a:ext uri="{FF2B5EF4-FFF2-40B4-BE49-F238E27FC236}">
+                <a16:creationId xmlns:a16="http://schemas.microsoft.com/office/drawing/2014/main" id="{B8FE2F9C-8075-47FA-8F6C-B93572762046}"/>
+              </a:ext>
+            </a:extLst>
+          </p:cNvPr>
+          <p:cNvPicPr>
+            <a:picLocks noChangeAspect="1"/>
+          </p:cNvPicPr>
+          <p:nvPr/>
+        </p:nvPicPr>
+        <p:blipFill rotWithShape="1">
+          <a:blip r:embed="rId3"/>
+          <a:srcRect l="2160" t="6364" r="2603" b="5450"/>
+          <a:stretch/>
+        </p:blipFill>
+        <p:spPr>
+          <a:xfrm>
+            <a:off x="5194623" y="3567977"/>
+            <a:ext cx="5052753" cy="1604356"/>
+          </a:xfrm>
+          <a:prstGeom prst="rect">
+            <a:avLst/>
+          </a:prstGeom>
+        </p:spPr>
+      </p:pic>
+      <p:pic>
+        <p:nvPicPr>
+          <p:cNvPr id="17" name="Picture 16" descr="Text&#10;&#10;Description automatically generated">
+            <a:extLst>
+              <a:ext uri="{FF2B5EF4-FFF2-40B4-BE49-F238E27FC236}">
+                <a16:creationId xmlns:a16="http://schemas.microsoft.com/office/drawing/2014/main" id="{5DFC2D59-AE81-4837-8ED4-F99CD4423C28}"/>
+              </a:ext>
+            </a:extLst>
+          </p:cNvPr>
+          <p:cNvPicPr>
+            <a:picLocks noChangeAspect="1"/>
+          </p:cNvPicPr>
+          <p:nvPr/>
+        </p:nvPicPr>
+        <p:blipFill rotWithShape="1">
+          <a:blip r:embed="rId4"/>
+          <a:srcRect l="1903" r="4621" b="6793"/>
+          <a:stretch/>
+        </p:blipFill>
+        <p:spPr>
+          <a:xfrm>
+            <a:off x="539496" y="4442611"/>
+            <a:ext cx="4238106" cy="1802217"/>
+          </a:xfrm>
+          <a:prstGeom prst="rect">
+            <a:avLst/>
+          </a:prstGeom>
+        </p:spPr>
+      </p:pic>
+      <p:pic>
+        <p:nvPicPr>
+          <p:cNvPr id="19" name="Picture 18" descr="Graphical user interface, text&#10;&#10;Description automatically generated with medium confidence">
+            <a:extLst>
+              <a:ext uri="{FF2B5EF4-FFF2-40B4-BE49-F238E27FC236}">
+                <a16:creationId xmlns:a16="http://schemas.microsoft.com/office/drawing/2014/main" id="{C29AD5EE-EC3D-4517-BCAD-7FF3726CAF8B}"/>
+              </a:ext>
+            </a:extLst>
+          </p:cNvPr>
+          <p:cNvPicPr>
+            <a:picLocks noChangeAspect="1"/>
+          </p:cNvPicPr>
+          <p:nvPr/>
+        </p:nvPicPr>
+        <p:blipFill rotWithShape="1">
+          <a:blip r:embed="rId5"/>
+          <a:srcRect l="594" t="4440" r="8266"/>
+          <a:stretch/>
+        </p:blipFill>
+        <p:spPr>
+          <a:xfrm>
+            <a:off x="539496" y="1855237"/>
+            <a:ext cx="4114801" cy="1802217"/>
           </a:xfrm>
           <a:prstGeom prst="rect">
             <a:avLst/>
@@ -20561,33 +21434,176 @@
       </p:pic>
       <p:sp>
         <p:nvSpPr>
-          <p:cNvPr id="9" name="Content Placeholder 8">
-            <a:extLst>
-              <a:ext uri="{FF2B5EF4-FFF2-40B4-BE49-F238E27FC236}">
-                <a16:creationId xmlns:a16="http://schemas.microsoft.com/office/drawing/2014/main" id="{F52435BD-D5A2-4C4A-9658-3DF4D4F4A704}"/>
-              </a:ext>
-            </a:extLst>
-          </p:cNvPr>
-          <p:cNvSpPr>
-            <a:spLocks noGrp="1"/>
-          </p:cNvSpPr>
-          <p:nvPr>
-            <p:ph sz="quarter" idx="4"/>
-          </p:nvPr>
+          <p:cNvPr id="20" name="TextBox 19">
+            <a:extLst>
+              <a:ext uri="{FF2B5EF4-FFF2-40B4-BE49-F238E27FC236}">
+                <a16:creationId xmlns:a16="http://schemas.microsoft.com/office/drawing/2014/main" id="{66D0919B-57D3-4BAC-A8E1-6DEE97344BA6}"/>
+              </a:ext>
+            </a:extLst>
+          </p:cNvPr>
+          <p:cNvSpPr txBox="1"/>
+          <p:nvPr/>
         </p:nvSpPr>
-        <p:spPr/>
+        <p:spPr>
+          <a:xfrm>
+            <a:off x="464682" y="1485905"/>
+            <a:ext cx="1950855" cy="369332"/>
+          </a:xfrm>
+          <a:prstGeom prst="rect">
+            <a:avLst/>
+          </a:prstGeom>
+          <a:noFill/>
+        </p:spPr>
         <p:txBody>
-          <a:bodyPr/>
+          <a:bodyPr wrap="none" rtlCol="0">
+            <a:spAutoFit/>
+          </a:bodyPr>
           <a:lstStyle/>
           <a:p>
-            <a:endParaRPr lang="en-GB"/>
+            <a:r>
+              <a:rPr lang="nl-BE" dirty="0" err="1"/>
+              <a:t>HelloWorldMixin</a:t>
+            </a:r>
+            <a:endParaRPr lang="en-GB" dirty="0"/>
+          </a:p>
+        </p:txBody>
+      </p:sp>
+      <p:sp>
+        <p:nvSpPr>
+          <p:cNvPr id="21" name="TextBox 20">
+            <a:extLst>
+              <a:ext uri="{FF2B5EF4-FFF2-40B4-BE49-F238E27FC236}">
+                <a16:creationId xmlns:a16="http://schemas.microsoft.com/office/drawing/2014/main" id="{472F5C2D-4E8E-437C-A673-E946218980C2}"/>
+              </a:ext>
+            </a:extLst>
+          </p:cNvPr>
+          <p:cNvSpPr txBox="1"/>
+          <p:nvPr/>
+        </p:nvSpPr>
+        <p:spPr>
+          <a:xfrm>
+            <a:off x="464681" y="4068865"/>
+            <a:ext cx="1685718" cy="369332"/>
+          </a:xfrm>
+          <a:prstGeom prst="rect">
+            <a:avLst/>
+          </a:prstGeom>
+          <a:noFill/>
+        </p:spPr>
+        <p:txBody>
+          <a:bodyPr wrap="none" rtlCol="0">
+            <a:spAutoFit/>
+          </a:bodyPr>
+          <a:lstStyle/>
+          <a:p>
+            <a:r>
+              <a:rPr lang="nl-BE" dirty="0" err="1"/>
+              <a:t>GreetingMixin</a:t>
+            </a:r>
+            <a:endParaRPr lang="en-GB" dirty="0"/>
+          </a:p>
+        </p:txBody>
+      </p:sp>
+      <p:sp>
+        <p:nvSpPr>
+          <p:cNvPr id="22" name="TextBox 21">
+            <a:extLst>
+              <a:ext uri="{FF2B5EF4-FFF2-40B4-BE49-F238E27FC236}">
+                <a16:creationId xmlns:a16="http://schemas.microsoft.com/office/drawing/2014/main" id="{07EC3E6B-59F1-4028-8308-4E316F7C2F5C}"/>
+              </a:ext>
+            </a:extLst>
+          </p:cNvPr>
+          <p:cNvSpPr txBox="1"/>
+          <p:nvPr/>
+        </p:nvSpPr>
+        <p:spPr>
+          <a:xfrm>
+            <a:off x="8334176" y="2624163"/>
+            <a:ext cx="2365135" cy="369332"/>
+          </a:xfrm>
+          <a:prstGeom prst="rect">
+            <a:avLst/>
+          </a:prstGeom>
+          <a:noFill/>
+        </p:spPr>
+        <p:txBody>
+          <a:bodyPr wrap="none" rtlCol="0">
+            <a:spAutoFit/>
+          </a:bodyPr>
+          <a:lstStyle/>
+          <a:p>
+            <a:r>
+              <a:rPr lang="nl-BE" dirty="0"/>
+              <a:t>-&gt; “</a:t>
+            </a:r>
+            <a:r>
+              <a:rPr lang="nl-BE" dirty="0" err="1"/>
+              <a:t>Hello</a:t>
+            </a:r>
+            <a:r>
+              <a:rPr lang="nl-BE" dirty="0"/>
+              <a:t> John Doe!”</a:t>
+            </a:r>
+            <a:endParaRPr lang="en-GB" dirty="0"/>
+          </a:p>
+        </p:txBody>
+      </p:sp>
+      <p:sp>
+        <p:nvSpPr>
+          <p:cNvPr id="23" name="TextBox 22">
+            <a:extLst>
+              <a:ext uri="{FF2B5EF4-FFF2-40B4-BE49-F238E27FC236}">
+                <a16:creationId xmlns:a16="http://schemas.microsoft.com/office/drawing/2014/main" id="{D98F34E2-C0A8-4ED3-BF68-B7CE41169606}"/>
+              </a:ext>
+            </a:extLst>
+          </p:cNvPr>
+          <p:cNvSpPr txBox="1"/>
+          <p:nvPr/>
+        </p:nvSpPr>
+        <p:spPr>
+          <a:xfrm>
+            <a:off x="8334175" y="4336903"/>
+            <a:ext cx="1939955" cy="369332"/>
+          </a:xfrm>
+          <a:prstGeom prst="rect">
+            <a:avLst/>
+          </a:prstGeom>
+          <a:noFill/>
+        </p:spPr>
+        <p:txBody>
+          <a:bodyPr wrap="none" rtlCol="0">
+            <a:spAutoFit/>
+          </a:bodyPr>
+          <a:lstStyle/>
+          <a:p>
+            <a:r>
+              <a:rPr lang="nl-BE" dirty="0"/>
+              <a:t>-&gt; “</a:t>
+            </a:r>
+            <a:r>
+              <a:rPr lang="nl-BE" dirty="0" err="1"/>
+              <a:t>Hello</a:t>
+            </a:r>
+            <a:r>
+              <a:rPr lang="nl-BE" dirty="0"/>
+              <a:t> </a:t>
+            </a:r>
+            <a:r>
+              <a:rPr lang="nl-BE" dirty="0" err="1"/>
+              <a:t>world</a:t>
+            </a:r>
+            <a:r>
+              <a:rPr lang="nl-BE" dirty="0"/>
+              <a:t>!”</a:t>
+            </a:r>
+            <a:endParaRPr lang="en-GB" dirty="0"/>
           </a:p>
         </p:txBody>
       </p:sp>
     </p:spTree>
     <p:extLst>
       <p:ext uri="{BB962C8B-B14F-4D97-AF65-F5344CB8AC3E}">
-        <p14:creationId xmlns:p14="http://schemas.microsoft.com/office/powerpoint/2010/main" val="1996537730"/>
+        <p14:creationId xmlns:p14="http://schemas.microsoft.com/office/powerpoint/2010/main" val="585761962"/>
       </p:ext>
     </p:extLst>
   </p:cSld>
@@ -20628,11 +21644,7 @@
                                           </p:stCondLst>
                                         </p:cTn>
                                         <p:tgtEl>
-                                          <p:spTgt spid="3">
-                                            <p:txEl>
-                                              <p:pRg st="0" end="0"/>
-                                            </p:txEl>
-                                          </p:spTgt>
+                                          <p:spTgt spid="20"/>
                                         </p:tgtEl>
                                         <p:attrNameLst>
                                           <p:attrName>style.visibility</p:attrName>
@@ -20646,11 +21658,7 @@
                                       <p:cBhvr>
                                         <p:cTn id="7" dur="500"/>
                                         <p:tgtEl>
-                                          <p:spTgt spid="3">
-                                            <p:txEl>
-                                              <p:pRg st="0" end="0"/>
-                                            </p:txEl>
-                                          </p:spTgt>
+                                          <p:spTgt spid="20"/>
                                         </p:tgtEl>
                                       </p:cBhvr>
                                     </p:animEffect>
@@ -20658,7 +21666,7 @@
                                 </p:cTn>
                               </p:par>
                               <p:par>
-                                <p:cTn id="8" presetID="10" presetClass="entr" presetSubtype="0" fill="hold" grpId="0" nodeType="withEffect">
+                                <p:cTn id="8" presetID="10" presetClass="entr" presetSubtype="0" fill="hold" nodeType="withEffect">
                                   <p:stCondLst>
                                     <p:cond delay="0"/>
                                   </p:stCondLst>
@@ -20671,11 +21679,7 @@
                                           </p:stCondLst>
                                         </p:cTn>
                                         <p:tgtEl>
-                                          <p:spTgt spid="4">
-                                            <p:txEl>
-                                              <p:pRg st="0" end="0"/>
-                                            </p:txEl>
-                                          </p:spTgt>
+                                          <p:spTgt spid="19"/>
                                         </p:tgtEl>
                                         <p:attrNameLst>
                                           <p:attrName>style.visibility</p:attrName>
@@ -20689,36 +21693,46 @@
                                       <p:cBhvr>
                                         <p:cTn id="10" dur="500"/>
                                         <p:tgtEl>
-                                          <p:spTgt spid="4">
-                                            <p:txEl>
-                                              <p:pRg st="0" end="0"/>
-                                            </p:txEl>
-                                          </p:spTgt>
+                                          <p:spTgt spid="19"/>
                                         </p:tgtEl>
                                       </p:cBhvr>
                                     </p:animEffect>
                                   </p:childTnLst>
                                 </p:cTn>
                               </p:par>
+                            </p:childTnLst>
+                          </p:cTn>
+                        </p:par>
+                      </p:childTnLst>
+                    </p:cTn>
+                  </p:par>
+                  <p:par>
+                    <p:cTn id="11" fill="hold">
+                      <p:stCondLst>
+                        <p:cond delay="indefinite"/>
+                      </p:stCondLst>
+                      <p:childTnLst>
+                        <p:par>
+                          <p:cTn id="12" fill="hold">
+                            <p:stCondLst>
+                              <p:cond delay="0"/>
+                            </p:stCondLst>
+                            <p:childTnLst>
                               <p:par>
-                                <p:cTn id="11" presetID="10" presetClass="entr" presetSubtype="0" fill="hold" grpId="0" nodeType="withEffect">
+                                <p:cTn id="13" presetID="10" presetClass="entr" presetSubtype="0" fill="hold" nodeType="clickEffect">
                                   <p:stCondLst>
                                     <p:cond delay="0"/>
                                   </p:stCondLst>
                                   <p:childTnLst>
                                     <p:set>
                                       <p:cBhvr>
-                                        <p:cTn id="12" dur="1" fill="hold">
+                                        <p:cTn id="14" dur="1" fill="hold">
                                           <p:stCondLst>
                                             <p:cond delay="0"/>
                                           </p:stCondLst>
                                         </p:cTn>
                                         <p:tgtEl>
-                                          <p:spTgt spid="4">
-                                            <p:txEl>
-                                              <p:pRg st="1" end="1"/>
-                                            </p:txEl>
-                                          </p:spTgt>
+                                          <p:spTgt spid="17"/>
                                         </p:tgtEl>
                                         <p:attrNameLst>
                                           <p:attrName>style.visibility</p:attrName>
@@ -20730,13 +21744,256 @@
                                     </p:set>
                                     <p:animEffect transition="in" filter="fade">
                                       <p:cBhvr>
-                                        <p:cTn id="13" dur="500"/>
+                                        <p:cTn id="15" dur="500"/>
                                         <p:tgtEl>
-                                          <p:spTgt spid="4">
-                                            <p:txEl>
-                                              <p:pRg st="1" end="1"/>
-                                            </p:txEl>
-                                          </p:spTgt>
+                                          <p:spTgt spid="17"/>
+                                        </p:tgtEl>
+                                      </p:cBhvr>
+                                    </p:animEffect>
+                                  </p:childTnLst>
+                                </p:cTn>
+                              </p:par>
+                              <p:par>
+                                <p:cTn id="16" presetID="10" presetClass="entr" presetSubtype="0" fill="hold" grpId="0" nodeType="withEffect">
+                                  <p:stCondLst>
+                                    <p:cond delay="0"/>
+                                  </p:stCondLst>
+                                  <p:childTnLst>
+                                    <p:set>
+                                      <p:cBhvr>
+                                        <p:cTn id="17" dur="1" fill="hold">
+                                          <p:stCondLst>
+                                            <p:cond delay="0"/>
+                                          </p:stCondLst>
+                                        </p:cTn>
+                                        <p:tgtEl>
+                                          <p:spTgt spid="21"/>
+                                        </p:tgtEl>
+                                        <p:attrNameLst>
+                                          <p:attrName>style.visibility</p:attrName>
+                                        </p:attrNameLst>
+                                      </p:cBhvr>
+                                      <p:to>
+                                        <p:strVal val="visible"/>
+                                      </p:to>
+                                    </p:set>
+                                    <p:animEffect transition="in" filter="fade">
+                                      <p:cBhvr>
+                                        <p:cTn id="18" dur="500"/>
+                                        <p:tgtEl>
+                                          <p:spTgt spid="21"/>
+                                        </p:tgtEl>
+                                      </p:cBhvr>
+                                    </p:animEffect>
+                                  </p:childTnLst>
+                                </p:cTn>
+                              </p:par>
+                            </p:childTnLst>
+                          </p:cTn>
+                        </p:par>
+                      </p:childTnLst>
+                    </p:cTn>
+                  </p:par>
+                  <p:par>
+                    <p:cTn id="19" fill="hold">
+                      <p:stCondLst>
+                        <p:cond delay="indefinite"/>
+                      </p:stCondLst>
+                      <p:childTnLst>
+                        <p:par>
+                          <p:cTn id="20" fill="hold">
+                            <p:stCondLst>
+                              <p:cond delay="0"/>
+                            </p:stCondLst>
+                            <p:childTnLst>
+                              <p:par>
+                                <p:cTn id="21" presetID="10" presetClass="entr" presetSubtype="0" fill="hold" nodeType="clickEffect">
+                                  <p:stCondLst>
+                                    <p:cond delay="0"/>
+                                  </p:stCondLst>
+                                  <p:childTnLst>
+                                    <p:set>
+                                      <p:cBhvr>
+                                        <p:cTn id="22" dur="1" fill="hold">
+                                          <p:stCondLst>
+                                            <p:cond delay="0"/>
+                                          </p:stCondLst>
+                                        </p:cTn>
+                                        <p:tgtEl>
+                                          <p:spTgt spid="9"/>
+                                        </p:tgtEl>
+                                        <p:attrNameLst>
+                                          <p:attrName>style.visibility</p:attrName>
+                                        </p:attrNameLst>
+                                      </p:cBhvr>
+                                      <p:to>
+                                        <p:strVal val="visible"/>
+                                      </p:to>
+                                    </p:set>
+                                    <p:animEffect transition="in" filter="fade">
+                                      <p:cBhvr>
+                                        <p:cTn id="23" dur="500"/>
+                                        <p:tgtEl>
+                                          <p:spTgt spid="9"/>
+                                        </p:tgtEl>
+                                      </p:cBhvr>
+                                    </p:animEffect>
+                                  </p:childTnLst>
+                                </p:cTn>
+                              </p:par>
+                            </p:childTnLst>
+                          </p:cTn>
+                        </p:par>
+                      </p:childTnLst>
+                    </p:cTn>
+                  </p:par>
+                  <p:par>
+                    <p:cTn id="24" fill="hold">
+                      <p:stCondLst>
+                        <p:cond delay="indefinite"/>
+                      </p:stCondLst>
+                      <p:childTnLst>
+                        <p:par>
+                          <p:cTn id="25" fill="hold">
+                            <p:stCondLst>
+                              <p:cond delay="0"/>
+                            </p:stCondLst>
+                            <p:childTnLst>
+                              <p:par>
+                                <p:cTn id="26" presetID="10" presetClass="entr" presetSubtype="0" fill="hold" grpId="0" nodeType="clickEffect">
+                                  <p:stCondLst>
+                                    <p:cond delay="0"/>
+                                  </p:stCondLst>
+                                  <p:childTnLst>
+                                    <p:set>
+                                      <p:cBhvr>
+                                        <p:cTn id="27" dur="1" fill="hold">
+                                          <p:stCondLst>
+                                            <p:cond delay="0"/>
+                                          </p:stCondLst>
+                                        </p:cTn>
+                                        <p:tgtEl>
+                                          <p:spTgt spid="22"/>
+                                        </p:tgtEl>
+                                        <p:attrNameLst>
+                                          <p:attrName>style.visibility</p:attrName>
+                                        </p:attrNameLst>
+                                      </p:cBhvr>
+                                      <p:to>
+                                        <p:strVal val="visible"/>
+                                      </p:to>
+                                    </p:set>
+                                    <p:animEffect transition="in" filter="fade">
+                                      <p:cBhvr>
+                                        <p:cTn id="28" dur="500"/>
+                                        <p:tgtEl>
+                                          <p:spTgt spid="22"/>
+                                        </p:tgtEl>
+                                      </p:cBhvr>
+                                    </p:animEffect>
+                                  </p:childTnLst>
+                                </p:cTn>
+                              </p:par>
+                            </p:childTnLst>
+                          </p:cTn>
+                        </p:par>
+                      </p:childTnLst>
+                    </p:cTn>
+                  </p:par>
+                  <p:par>
+                    <p:cTn id="29" fill="hold">
+                      <p:stCondLst>
+                        <p:cond delay="indefinite"/>
+                      </p:stCondLst>
+                      <p:childTnLst>
+                        <p:par>
+                          <p:cTn id="30" fill="hold">
+                            <p:stCondLst>
+                              <p:cond delay="0"/>
+                            </p:stCondLst>
+                            <p:childTnLst>
+                              <p:par>
+                                <p:cTn id="31" presetID="10" presetClass="entr" presetSubtype="0" fill="hold" nodeType="clickEffect">
+                                  <p:stCondLst>
+                                    <p:cond delay="0"/>
+                                  </p:stCondLst>
+                                  <p:childTnLst>
+                                    <p:set>
+                                      <p:cBhvr>
+                                        <p:cTn id="32" dur="1" fill="hold">
+                                          <p:stCondLst>
+                                            <p:cond delay="0"/>
+                                          </p:stCondLst>
+                                        </p:cTn>
+                                        <p:tgtEl>
+                                          <p:spTgt spid="12"/>
+                                        </p:tgtEl>
+                                        <p:attrNameLst>
+                                          <p:attrName>style.visibility</p:attrName>
+                                        </p:attrNameLst>
+                                      </p:cBhvr>
+                                      <p:to>
+                                        <p:strVal val="visible"/>
+                                      </p:to>
+                                    </p:set>
+                                    <p:animEffect transition="in" filter="fade">
+                                      <p:cBhvr>
+                                        <p:cTn id="33" dur="500"/>
+                                        <p:tgtEl>
+                                          <p:spTgt spid="12"/>
+                                        </p:tgtEl>
+                                      </p:cBhvr>
+                                    </p:animEffect>
+                                  </p:childTnLst>
+                                </p:cTn>
+                              </p:par>
+                            </p:childTnLst>
+                          </p:cTn>
+                        </p:par>
+                      </p:childTnLst>
+                    </p:cTn>
+                  </p:par>
+                  <p:par>
+                    <p:cTn id="34" fill="hold">
+                      <p:stCondLst>
+                        <p:cond delay="indefinite"/>
+                      </p:stCondLst>
+                      <p:childTnLst>
+                        <p:par>
+                          <p:cTn id="35" fill="hold">
+                            <p:stCondLst>
+                              <p:cond delay="0"/>
+                            </p:stCondLst>
+                            <p:childTnLst>
+                              <p:par>
+                                <p:cTn id="36" presetID="10" presetClass="entr" presetSubtype="0" fill="hold" grpId="0" nodeType="clickEffect">
+                                  <p:stCondLst>
+                                    <p:cond delay="0"/>
+                                  </p:stCondLst>
+                                  <p:childTnLst>
+                                    <p:set>
+                                      <p:cBhvr>
+                                        <p:cTn id="37" dur="1" fill="hold">
+                                          <p:stCondLst>
+                                            <p:cond delay="0"/>
+                                          </p:stCondLst>
+                                        </p:cTn>
+                                        <p:tgtEl>
+                                          <p:spTgt spid="23"/>
+                                        </p:tgtEl>
+                                        <p:attrNameLst>
+                                          <p:attrName>style.visibility</p:attrName>
+                                        </p:attrNameLst>
+                                      </p:cBhvr>
+                                      <p:to>
+                                        <p:strVal val="visible"/>
+                                      </p:to>
+                                    </p:set>
+                                    <p:animEffect transition="in" filter="fade">
+                                      <p:cBhvr>
+                                        <p:cTn id="38" dur="500"/>
+                                        <p:tgtEl>
+                                          <p:spTgt spid="23"/>
                                         </p:tgtEl>
                                       </p:cBhvr>
                                     </p:animEffect>
@@ -20771,8 +22028,10 @@
       </p:par>
     </p:tnLst>
     <p:bldLst>
-      <p:bldP spid="3" grpId="0" build="p"/>
-      <p:bldP spid="4" grpId="0" uiExpand="1" build="p"/>
+      <p:bldP spid="20" grpId="0"/>
+      <p:bldP spid="21" grpId="0"/>
+      <p:bldP spid="22" grpId="0"/>
+      <p:bldP spid="23" grpId="0"/>
     </p:bldLst>
   </p:timing>
 </p:sld>
@@ -21275,6 +22534,24 @@
 </file>
 
 <file path=customXml/item1.xml><?xml version="1.0" encoding="utf-8"?>
+<p:properties xmlns:p="http://schemas.microsoft.com/office/2006/metadata/properties" xmlns:xsi="http://www.w3.org/2001/XMLSchema-instance" xmlns:pc="http://schemas.microsoft.com/office/infopath/2007/PartnerControls">
+  <documentManagement>
+    <Status xmlns="71af3243-3dd4-4a8d-8c0d-dd76da1f02a5">Not started</Status>
+    <MediaServiceKeyPoints xmlns="71af3243-3dd4-4a8d-8c0d-dd76da1f02a5" xsi:nil="true"/>
+  </documentManagement>
+</p:properties>
+</file>
+
+<file path=customXml/item2.xml><?xml version="1.0" encoding="utf-8"?>
+<?mso-contentType ?>
+<FormTemplates xmlns="http://schemas.microsoft.com/sharepoint/v3/contenttype/forms">
+  <Display>DocumentLibraryForm</Display>
+  <Edit>DocumentLibraryForm</Edit>
+  <New>DocumentLibraryForm</New>
+</FormTemplates>
+</file>
+
+<file path=customXml/item3.xml><?xml version="1.0" encoding="utf-8"?>
 <ct:contentTypeSchema xmlns:ct="http://schemas.microsoft.com/office/2006/metadata/contentType" xmlns:ma="http://schemas.microsoft.com/office/2006/metadata/properties/metaAttributes" ct:_="" ma:_="" ma:contentTypeName="Document" ma:contentTypeID="0x01010079F111ED35F8CC479449609E8A0923A6" ma:contentTypeVersion="12" ma:contentTypeDescription="Create a new document." ma:contentTypeScope="" ma:versionID="426e97fa315356fffbdcd9876fe988c2">
   <xsd:schema xmlns:xsd="http://www.w3.org/2001/XMLSchema" xmlns:xs="http://www.w3.org/2001/XMLSchema" xmlns:p="http://schemas.microsoft.com/office/2006/metadata/properties" xmlns:ns2="71af3243-3dd4-4a8d-8c0d-dd76da1f02a5" xmlns:ns3="16c05727-aa75-4e4a-9b5f-8a80a1165891" targetNamespace="http://schemas.microsoft.com/office/2006/metadata/properties" ma:root="true" ma:fieldsID="14b8f0def80e6d70ce3def20c90759ae" ns2:_="" ns3:_="">
     <xsd:import namespace="71af3243-3dd4-4a8d-8c0d-dd76da1f02a5"/>
@@ -21495,25 +22772,25 @@
 </ct:contentTypeSchema>
 </file>
 
-<file path=customXml/item2.xml><?xml version="1.0" encoding="utf-8"?>
-<?mso-contentType ?>
-<FormTemplates xmlns="http://schemas.microsoft.com/sharepoint/v3/contenttype/forms">
-  <Display>DocumentLibraryForm</Display>
-  <Edit>DocumentLibraryForm</Edit>
-  <New>DocumentLibraryForm</New>
-</FormTemplates>
+<file path=customXml/itemProps1.xml><?xml version="1.0" encoding="utf-8"?>
+<ds:datastoreItem xmlns:ds="http://schemas.openxmlformats.org/officeDocument/2006/customXml" ds:itemID="{E613E4D1-157A-4FD3-BF11-7582A03ADF37}">
+  <ds:schemaRefs>
+    <ds:schemaRef ds:uri="http://schemas.microsoft.com/office/2006/metadata/properties"/>
+    <ds:schemaRef ds:uri="http://schemas.microsoft.com/office/infopath/2007/PartnerControls"/>
+    <ds:schemaRef ds:uri="71af3243-3dd4-4a8d-8c0d-dd76da1f02a5"/>
+  </ds:schemaRefs>
+</ds:datastoreItem>
 </file>
 
-<file path=customXml/item3.xml><?xml version="1.0" encoding="utf-8"?>
-<p:properties xmlns:p="http://schemas.microsoft.com/office/2006/metadata/properties" xmlns:xsi="http://www.w3.org/2001/XMLSchema-instance" xmlns:pc="http://schemas.microsoft.com/office/infopath/2007/PartnerControls">
-  <documentManagement>
-    <Status xmlns="71af3243-3dd4-4a8d-8c0d-dd76da1f02a5">Not started</Status>
-    <MediaServiceKeyPoints xmlns="71af3243-3dd4-4a8d-8c0d-dd76da1f02a5" xsi:nil="true"/>
-  </documentManagement>
-</p:properties>
+<file path=customXml/itemProps2.xml><?xml version="1.0" encoding="utf-8"?>
+<ds:datastoreItem xmlns:ds="http://schemas.openxmlformats.org/officeDocument/2006/customXml" ds:itemID="{C3D3D887-4EBB-4786-8316-C89D0BB9706F}">
+  <ds:schemaRefs>
+    <ds:schemaRef ds:uri="http://schemas.microsoft.com/sharepoint/v3/contenttype/forms"/>
+  </ds:schemaRefs>
+</ds:datastoreItem>
 </file>
 
-<file path=customXml/itemProps1.xml><?xml version="1.0" encoding="utf-8"?>
+<file path=customXml/itemProps3.xml><?xml version="1.0" encoding="utf-8"?>
 <ds:datastoreItem xmlns:ds="http://schemas.openxmlformats.org/officeDocument/2006/customXml" ds:itemID="{2BBC4E2F-F3E1-4F05-9206-4E311F2B3D99}">
   <ds:schemaRefs>
     <ds:schemaRef ds:uri="http://schemas.microsoft.com/office/2006/metadata/contentType"/>
@@ -21530,22 +22807,4 @@
     <ds:schemaRef ds:uri="http://schemas.microsoft.com/internal/obd"/>
   </ds:schemaRefs>
 </ds:datastoreItem>
-</file>
-
-<file path=customXml/itemProps2.xml><?xml version="1.0" encoding="utf-8"?>
-<ds:datastoreItem xmlns:ds="http://schemas.openxmlformats.org/officeDocument/2006/customXml" ds:itemID="{C3D3D887-4EBB-4786-8316-C89D0BB9706F}">
-  <ds:schemaRefs>
-    <ds:schemaRef ds:uri="http://schemas.microsoft.com/sharepoint/v3/contenttype/forms"/>
-  </ds:schemaRefs>
-</ds:datastoreItem>
-</file>
-
-<file path=customXml/itemProps3.xml><?xml version="1.0" encoding="utf-8"?>
-<ds:datastoreItem xmlns:ds="http://schemas.openxmlformats.org/officeDocument/2006/customXml" ds:itemID="{E613E4D1-157A-4FD3-BF11-7582A03ADF37}">
-  <ds:schemaRefs>
-    <ds:schemaRef ds:uri="http://schemas.microsoft.com/office/2006/metadata/properties"/>
-    <ds:schemaRef ds:uri="http://schemas.microsoft.com/office/infopath/2007/PartnerControls"/>
-    <ds:schemaRef ds:uri="71af3243-3dd4-4a8d-8c0d-dd76da1f02a5"/>
-  </ds:schemaRefs>
-</ds:datastoreItem>
 </file>